--- a/summerschool-aalborg-jpg.pptx
+++ b/summerschool-aalborg-jpg.pptx
@@ -24,11 +24,11 @@
     <p:sldId id="269" r:id="rId12"/>
     <p:sldId id="336" r:id="rId13"/>
     <p:sldId id="270" r:id="rId14"/>
-    <p:sldId id="273" r:id="rId15"/>
-    <p:sldId id="271" r:id="rId16"/>
-    <p:sldId id="272" r:id="rId17"/>
-    <p:sldId id="276" r:id="rId18"/>
-    <p:sldId id="337" r:id="rId19"/>
+    <p:sldId id="271" r:id="rId15"/>
+    <p:sldId id="272" r:id="rId16"/>
+    <p:sldId id="276" r:id="rId17"/>
+    <p:sldId id="337" r:id="rId18"/>
+    <p:sldId id="341" r:id="rId19"/>
     <p:sldId id="275" r:id="rId20"/>
     <p:sldId id="278" r:id="rId21"/>
     <p:sldId id="279" r:id="rId22"/>
@@ -9006,43 +9006,95 @@
         </p:nvSpPr>
         <p:spPr/>
         <p:txBody>
-          <a:bodyPr>
-            <a:normAutofit fontScale="90000"/>
-          </a:bodyPr>
-          <a:lstStyle/>
-          <a:p>
-            <a:r>
-              <a:rPr lang="en-US"/>
-              <a:t>Verification of energy specifications</a:t>
-            </a:r>
-          </a:p>
-        </p:txBody>
-      </p:sp>
-      <p:pic>
-        <p:nvPicPr>
-          <p:cNvPr id="6" name="Content Placeholder 5" descr="analysis.png"/>
-          <p:cNvPicPr>
-            <a:picLocks noGrp="1" noChangeAspect="1"/>
-          </p:cNvPicPr>
+          <a:bodyPr/>
+          <a:lstStyle/>
+          <a:p>
+            <a:r>
+              <a:rPr lang="en-US"/>
+              <a:t>Summary of goals</a:t>
+            </a:r>
+          </a:p>
+        </p:txBody>
+      </p:sp>
+      <p:sp>
+        <p:nvSpPr>
+          <p:cNvPr id="3" name="Content Placeholder 2"/>
+          <p:cNvSpPr>
+            <a:spLocks noGrp="1"/>
+          </p:cNvSpPr>
           <p:nvPr>
             <p:ph idx="1"/>
           </p:nvPr>
-        </p:nvPicPr>
-        <p:blipFill>
-          <a:blip r:embed="rId2" cstate="print">
-            <a:extLst>
-              <a:ext uri="{28A0092B-C50C-407E-A947-70E740481C1C}">
-                <a14:useLocalDpi xmlns:a14="http://schemas.microsoft.com/office/drawing/2010/main"/>
-              </a:ext>
-            </a:extLst>
-          </a:blip>
-          <a:srcRect t="3920" b="3920"/>
-          <a:stretch>
-            <a:fillRect/>
-          </a:stretch>
-        </p:blipFill>
+        </p:nvSpPr>
         <p:spPr/>
-      </p:pic>
+        <p:txBody>
+          <a:bodyPr/>
+          <a:lstStyle/>
+          <a:p>
+            <a:r>
+              <a:rPr lang="en-US"/>
+              <a:t>We want </a:t>
+            </a:r>
+            <a:r>
+              <a:rPr lang="en-US">
+                <a:solidFill>
+                  <a:srgbClr val="FF0000"/>
+                </a:solidFill>
+              </a:rPr>
+              <a:t>tools</a:t>
+            </a:r>
+            <a:r>
+              <a:rPr lang="en-US"/>
+              <a:t> for the programmer</a:t>
+            </a:r>
+          </a:p>
+          <a:p>
+            <a:endParaRPr lang="en-US"/>
+          </a:p>
+          <a:p>
+            <a:pPr lvl="1"/>
+            <a:r>
+              <a:rPr lang="en-US"/>
+              <a:t>that give information about the energy usage of programs without running them (</a:t>
+            </a:r>
+            <a:r>
+              <a:rPr lang="en-US">
+                <a:solidFill>
+                  <a:srgbClr val="FF0000"/>
+                </a:solidFill>
+              </a:rPr>
+              <a:t>energy transparency</a:t>
+            </a:r>
+            <a:r>
+              <a:rPr lang="en-US"/>
+              <a:t>)</a:t>
+            </a:r>
+          </a:p>
+          <a:p>
+            <a:pPr lvl="1"/>
+            <a:endParaRPr lang="en-US"/>
+          </a:p>
+          <a:p>
+            <a:pPr lvl="1"/>
+            <a:r>
+              <a:rPr lang="en-US"/>
+              <a:t>that allow energy assertions to be checked (</a:t>
+            </a:r>
+            <a:r>
+              <a:rPr lang="en-US">
+                <a:solidFill>
+                  <a:srgbClr val="FF0000"/>
+                </a:solidFill>
+              </a:rPr>
+              <a:t>energy design goals</a:t>
+            </a:r>
+            <a:r>
+              <a:rPr lang="en-US"/>
+              <a:t>)</a:t>
+            </a:r>
+          </a:p>
+        </p:txBody>
+      </p:sp>
       <p:sp>
         <p:nvSpPr>
           <p:cNvPr id="4" name="Footer Placeholder 3"/>
@@ -9092,7 +9144,7 @@
     </p:spTree>
     <p:extLst>
       <p:ext uri="{BB962C8B-B14F-4D97-AF65-F5344CB8AC3E}">
-        <p14:creationId xmlns:p14="http://schemas.microsoft.com/office/powerpoint/2010/main" val="260871004"/>
+        <p14:creationId xmlns:p14="http://schemas.microsoft.com/office/powerpoint/2010/main" val="479515034"/>
       </p:ext>
     </p:extLst>
   </p:cSld>
@@ -9136,7 +9188,7 @@
           <a:p>
             <a:r>
               <a:rPr lang="en-US"/>
-              <a:t>Summary of goals</a:t>
+              <a:t>Analysis of programs</a:t>
             </a:r>
           </a:p>
         </p:txBody>
@@ -9158,7 +9210,34 @@
           <a:p>
             <a:r>
               <a:rPr lang="en-US"/>
-              <a:t>We want </a:t>
+              <a:t>A program is a physical object</a:t>
+            </a:r>
+          </a:p>
+          <a:p>
+            <a:endParaRPr lang="en-US"/>
+          </a:p>
+          <a:p>
+            <a:pPr lvl="1"/>
+            <a:r>
+              <a:rPr lang="en-US"/>
+              <a:t>some symbols on paper</a:t>
+            </a:r>
+          </a:p>
+          <a:p>
+            <a:pPr lvl="1"/>
+            <a:r>
+              <a:rPr lang="en-US"/>
+              <a:t>a pattern of bits in memory</a:t>
+            </a:r>
+          </a:p>
+          <a:p>
+            <a:pPr lvl="1"/>
+            <a:endParaRPr lang="en-US"/>
+          </a:p>
+          <a:p>
+            <a:r>
+              <a:rPr lang="en-US"/>
+              <a:t>But what is the </a:t>
             </a:r>
             <a:r>
               <a:rPr lang="en-US">
@@ -9166,21 +9245,17 @@
                   <a:srgbClr val="FF0000"/>
                 </a:solidFill>
               </a:rPr>
-              <a:t>tools</a:t>
-            </a:r>
-            <a:r>
-              <a:rPr lang="en-US"/>
-              <a:t> for the programmer</a:t>
-            </a:r>
-          </a:p>
-          <a:p>
-            <a:endParaRPr lang="en-US"/>
-          </a:p>
-          <a:p>
-            <a:pPr lvl="1"/>
-            <a:r>
-              <a:rPr lang="en-US"/>
-              <a:t>that give information about the energy usage of programs without running them (</a:t>
+              <a:t>meaning</a:t>
+            </a:r>
+            <a:r>
+              <a:rPr lang="en-US"/>
+              <a:t> of a program?</a:t>
+            </a:r>
+          </a:p>
+          <a:p>
+            <a:r>
+              <a:rPr lang="en-US"/>
+              <a:t>This is program </a:t>
             </a:r>
             <a:r>
               <a:rPr lang="en-US">
@@ -9188,34 +9263,11 @@
                   <a:srgbClr val="FF0000"/>
                 </a:solidFill>
               </a:rPr>
-              <a:t>energy transparency</a:t>
-            </a:r>
-            <a:r>
-              <a:rPr lang="en-US"/>
-              <a:t>)</a:t>
-            </a:r>
-          </a:p>
-          <a:p>
-            <a:pPr lvl="1"/>
-            <a:endParaRPr lang="en-US"/>
-          </a:p>
-          <a:p>
-            <a:pPr lvl="1"/>
-            <a:r>
-              <a:rPr lang="en-US"/>
-              <a:t>that allow energy assertions to be checked (</a:t>
-            </a:r>
-            <a:r>
-              <a:rPr lang="en-US">
-                <a:solidFill>
-                  <a:srgbClr val="FF0000"/>
-                </a:solidFill>
-              </a:rPr>
-              <a:t>energy design goals</a:t>
-            </a:r>
-            <a:r>
-              <a:rPr lang="en-US"/>
-              <a:t>)</a:t>
+              <a:t>semantics</a:t>
+            </a:r>
+            <a:r>
+              <a:rPr lang="en-US"/>
+              <a:t>.</a:t>
             </a:r>
           </a:p>
         </p:txBody>
@@ -9269,7 +9321,7 @@
     </p:spTree>
     <p:extLst>
       <p:ext uri="{BB962C8B-B14F-4D97-AF65-F5344CB8AC3E}">
-        <p14:creationId xmlns:p14="http://schemas.microsoft.com/office/powerpoint/2010/main" val="479515034"/>
+        <p14:creationId xmlns:p14="http://schemas.microsoft.com/office/powerpoint/2010/main" val="822471607"/>
       </p:ext>
     </p:extLst>
   </p:cSld>
@@ -9313,86 +9365,7 @@
           <a:p>
             <a:r>
               <a:rPr lang="en-US"/>
-              <a:t>Analysis of programs</a:t>
-            </a:r>
-          </a:p>
-        </p:txBody>
-      </p:sp>
-      <p:sp>
-        <p:nvSpPr>
-          <p:cNvPr id="3" name="Content Placeholder 2"/>
-          <p:cNvSpPr>
-            <a:spLocks noGrp="1"/>
-          </p:cNvSpPr>
-          <p:nvPr>
-            <p:ph idx="1"/>
-          </p:nvPr>
-        </p:nvSpPr>
-        <p:spPr/>
-        <p:txBody>
-          <a:bodyPr/>
-          <a:lstStyle/>
-          <a:p>
-            <a:r>
-              <a:rPr lang="en-US"/>
-              <a:t>A program is a physical object</a:t>
-            </a:r>
-          </a:p>
-          <a:p>
-            <a:endParaRPr lang="en-US"/>
-          </a:p>
-          <a:p>
-            <a:pPr lvl="1"/>
-            <a:r>
-              <a:rPr lang="en-US"/>
-              <a:t>some symbols on paper</a:t>
-            </a:r>
-          </a:p>
-          <a:p>
-            <a:pPr lvl="1"/>
-            <a:r>
-              <a:rPr lang="en-US"/>
-              <a:t>a pattern of bits in memory</a:t>
-            </a:r>
-          </a:p>
-          <a:p>
-            <a:pPr lvl="1"/>
-            <a:endParaRPr lang="en-US"/>
-          </a:p>
-          <a:p>
-            <a:r>
-              <a:rPr lang="en-US"/>
-              <a:t>But what is the </a:t>
-            </a:r>
-            <a:r>
-              <a:rPr lang="en-US">
-                <a:solidFill>
-                  <a:srgbClr val="FF0000"/>
-                </a:solidFill>
-              </a:rPr>
-              <a:t>meaning</a:t>
-            </a:r>
-            <a:r>
-              <a:rPr lang="en-US"/>
-              <a:t> of a program?</a:t>
-            </a:r>
-          </a:p>
-          <a:p>
-            <a:r>
-              <a:rPr lang="en-US"/>
-              <a:t>This is program </a:t>
-            </a:r>
-            <a:r>
-              <a:rPr lang="en-US">
-                <a:solidFill>
-                  <a:srgbClr val="FF0000"/>
-                </a:solidFill>
-              </a:rPr>
-              <a:t>semantics</a:t>
-            </a:r>
-            <a:r>
-              <a:rPr lang="en-US"/>
-              <a:t>.</a:t>
+              <a:t>Program semantics</a:t>
             </a:r>
           </a:p>
         </p:txBody>
@@ -9438,104 +9411,6 @@
               <a:rPr lang="da-DK" smtClean="0"/>
               <a:pPr/>
               <a:t>16</a:t>
-            </a:fld>
-            <a:endParaRPr lang="da-DK" dirty="0"/>
-          </a:p>
-        </p:txBody>
-      </p:sp>
-    </p:spTree>
-    <p:extLst>
-      <p:ext uri="{BB962C8B-B14F-4D97-AF65-F5344CB8AC3E}">
-        <p14:creationId xmlns:p14="http://schemas.microsoft.com/office/powerpoint/2010/main" val="822471607"/>
-      </p:ext>
-    </p:extLst>
-  </p:cSld>
-  <p:clrMapOvr>
-    <a:masterClrMapping/>
-  </p:clrMapOvr>
-</p:sld>
-</file>
-
-<file path=ppt/slides/slide17.xml><?xml version="1.0" encoding="utf-8"?>
-<p:sld xmlns:a="http://schemas.openxmlformats.org/drawingml/2006/main" xmlns:r="http://schemas.openxmlformats.org/officeDocument/2006/relationships" xmlns:p="http://schemas.openxmlformats.org/presentationml/2006/main">
-  <p:cSld>
-    <p:spTree>
-      <p:nvGrpSpPr>
-        <p:cNvPr id="1" name=""/>
-        <p:cNvGrpSpPr/>
-        <p:nvPr/>
-      </p:nvGrpSpPr>
-      <p:grpSpPr>
-        <a:xfrm>
-          <a:off x="0" y="0"/>
-          <a:ext cx="0" cy="0"/>
-          <a:chOff x="0" y="0"/>
-          <a:chExt cx="0" cy="0"/>
-        </a:xfrm>
-      </p:grpSpPr>
-      <p:sp>
-        <p:nvSpPr>
-          <p:cNvPr id="2" name="Title 1"/>
-          <p:cNvSpPr>
-            <a:spLocks noGrp="1"/>
-          </p:cNvSpPr>
-          <p:nvPr>
-            <p:ph type="title"/>
-          </p:nvPr>
-        </p:nvSpPr>
-        <p:spPr/>
-        <p:txBody>
-          <a:bodyPr/>
-          <a:lstStyle/>
-          <a:p>
-            <a:r>
-              <a:rPr lang="en-US"/>
-              <a:t>Program semantics</a:t>
-            </a:r>
-          </a:p>
-        </p:txBody>
-      </p:sp>
-      <p:sp>
-        <p:nvSpPr>
-          <p:cNvPr id="4" name="Footer Placeholder 3"/>
-          <p:cNvSpPr>
-            <a:spLocks noGrp="1"/>
-          </p:cNvSpPr>
-          <p:nvPr>
-            <p:ph type="ftr" sz="quarter" idx="11"/>
-          </p:nvPr>
-        </p:nvSpPr>
-        <p:spPr/>
-        <p:txBody>
-          <a:bodyPr/>
-          <a:lstStyle/>
-          <a:p>
-            <a:r>
-              <a:rPr lang="da-DK" dirty="0"/>
-              <a:t>/74</a:t>
-            </a:r>
-          </a:p>
-        </p:txBody>
-      </p:sp>
-      <p:sp>
-        <p:nvSpPr>
-          <p:cNvPr id="5" name="Slide Number Placeholder 4"/>
-          <p:cNvSpPr>
-            <a:spLocks noGrp="1"/>
-          </p:cNvSpPr>
-          <p:nvPr>
-            <p:ph type="sldNum" sz="quarter" idx="12"/>
-          </p:nvPr>
-        </p:nvSpPr>
-        <p:spPr/>
-        <p:txBody>
-          <a:bodyPr/>
-          <a:lstStyle/>
-          <a:p>
-            <a:fld id="{D2666599-1343-46DA-9433-309CE074520D}" type="slidenum">
-              <a:rPr lang="da-DK" smtClean="0"/>
-              <a:pPr/>
-              <a:t>17</a:t>
             </a:fld>
             <a:endParaRPr lang="da-DK" dirty="0"/>
           </a:p>
@@ -9770,6 +9645,140 @@
 </p:sld>
 </file>
 
+<file path=ppt/slides/slide17.xml><?xml version="1.0" encoding="utf-8"?>
+<p:sld xmlns:a="http://schemas.openxmlformats.org/drawingml/2006/main" xmlns:r="http://schemas.openxmlformats.org/officeDocument/2006/relationships" xmlns:p="http://schemas.openxmlformats.org/presentationml/2006/main">
+  <p:cSld>
+    <p:spTree>
+      <p:nvGrpSpPr>
+        <p:cNvPr id="1" name=""/>
+        <p:cNvGrpSpPr/>
+        <p:nvPr/>
+      </p:nvGrpSpPr>
+      <p:grpSpPr>
+        <a:xfrm>
+          <a:off x="0" y="0"/>
+          <a:ext cx="0" cy="0"/>
+          <a:chOff x="0" y="0"/>
+          <a:chExt cx="0" cy="0"/>
+        </a:xfrm>
+      </p:grpSpPr>
+      <p:sp>
+        <p:nvSpPr>
+          <p:cNvPr id="2" name="Title 1"/>
+          <p:cNvSpPr>
+            <a:spLocks noGrp="1"/>
+          </p:cNvSpPr>
+          <p:nvPr>
+            <p:ph type="title"/>
+          </p:nvPr>
+        </p:nvSpPr>
+        <p:spPr/>
+        <p:txBody>
+          <a:bodyPr>
+            <a:normAutofit fontScale="90000"/>
+          </a:bodyPr>
+          <a:lstStyle/>
+          <a:p>
+            <a:r>
+              <a:rPr lang="en-US"/>
+              <a:t>Different styles of program semantics</a:t>
+            </a:r>
+          </a:p>
+        </p:txBody>
+      </p:sp>
+      <p:sp>
+        <p:nvSpPr>
+          <p:cNvPr id="3" name="Content Placeholder 2"/>
+          <p:cNvSpPr>
+            <a:spLocks noGrp="1"/>
+          </p:cNvSpPr>
+          <p:nvPr>
+            <p:ph idx="1"/>
+          </p:nvPr>
+        </p:nvSpPr>
+        <p:spPr/>
+        <p:txBody>
+          <a:bodyPr/>
+          <a:lstStyle/>
+          <a:p>
+            <a:r>
+              <a:rPr lang="en-US"/>
+              <a:t>Operational (small step)</a:t>
+            </a:r>
+          </a:p>
+          <a:p>
+            <a:r>
+              <a:rPr lang="en-US"/>
+              <a:t>Big-step (Hoare-Floyd pre- post- conditions</a:t>
+            </a:r>
+          </a:p>
+          <a:p>
+            <a:r>
+              <a:rPr lang="en-US"/>
+              <a:t>Denotational</a:t>
+            </a:r>
+          </a:p>
+        </p:txBody>
+      </p:sp>
+      <p:sp>
+        <p:nvSpPr>
+          <p:cNvPr id="4" name="Footer Placeholder 3"/>
+          <p:cNvSpPr>
+            <a:spLocks noGrp="1"/>
+          </p:cNvSpPr>
+          <p:nvPr>
+            <p:ph type="ftr" sz="quarter" idx="11"/>
+          </p:nvPr>
+        </p:nvSpPr>
+        <p:spPr/>
+        <p:txBody>
+          <a:bodyPr/>
+          <a:lstStyle/>
+          <a:p>
+            <a:r>
+              <a:rPr lang="da-DK" dirty="0"/>
+              <a:t>/74</a:t>
+            </a:r>
+          </a:p>
+        </p:txBody>
+      </p:sp>
+      <p:sp>
+        <p:nvSpPr>
+          <p:cNvPr id="5" name="Slide Number Placeholder 4"/>
+          <p:cNvSpPr>
+            <a:spLocks noGrp="1"/>
+          </p:cNvSpPr>
+          <p:nvPr>
+            <p:ph type="sldNum" sz="quarter" idx="12"/>
+          </p:nvPr>
+        </p:nvSpPr>
+        <p:spPr/>
+        <p:txBody>
+          <a:bodyPr/>
+          <a:lstStyle/>
+          <a:p>
+            <a:fld id="{D2666599-1343-46DA-9433-309CE074520D}" type="slidenum">
+              <a:rPr lang="da-DK" smtClean="0"/>
+              <a:pPr/>
+              <a:t>17</a:t>
+            </a:fld>
+            <a:endParaRPr lang="da-DK" dirty="0"/>
+          </a:p>
+        </p:txBody>
+      </p:sp>
+    </p:spTree>
+    <p:extLst>
+      <p:ext uri="{BB962C8B-B14F-4D97-AF65-F5344CB8AC3E}">
+        <p14:creationId xmlns:p14="http://schemas.microsoft.com/office/powerpoint/2010/main" val="1727039141"/>
+      </p:ext>
+    </p:extLst>
+  </p:cSld>
+  <p:clrMapOvr>
+    <a:masterClrMapping/>
+  </p:clrMapOvr>
+</p:sld>
+</file>
+
 <file path=ppt/slides/slide18.xml><?xml version="1.0" encoding="utf-8"?>
 <p:sld xmlns:a="http://schemas.openxmlformats.org/drawingml/2006/main" xmlns:r="http://schemas.openxmlformats.org/officeDocument/2006/relationships" xmlns:p="http://schemas.openxmlformats.org/presentationml/2006/main">
   <p:cSld>
@@ -9799,14 +9808,12 @@
         </p:nvSpPr>
         <p:spPr/>
         <p:txBody>
-          <a:bodyPr>
-            <a:normAutofit fontScale="90000"/>
-          </a:bodyPr>
-          <a:lstStyle/>
-          <a:p>
-            <a:r>
-              <a:rPr lang="en-US"/>
-              <a:t>Different styles of program semantics</a:t>
+          <a:bodyPr/>
+          <a:lstStyle/>
+          <a:p>
+            <a:r>
+              <a:rPr lang="en-US"/>
+              <a:t>Analysis for energy</a:t>
             </a:r>
           </a:p>
         </p:txBody>
@@ -9828,19 +9835,19 @@
           <a:p>
             <a:r>
               <a:rPr lang="en-US"/>
-              <a:t>Operational (small step)</a:t>
-            </a:r>
-          </a:p>
-          <a:p>
-            <a:r>
-              <a:rPr lang="en-US"/>
-              <a:t>Big-step (Hoare-Floyd pre- post- conditions</a:t>
-            </a:r>
-          </a:p>
-          <a:p>
-            <a:r>
-              <a:rPr lang="en-US"/>
-              <a:t>Denotational</a:t>
+              <a:t>Tiwari equation</a:t>
+            </a:r>
+          </a:p>
+          <a:p>
+            <a:r>
+              <a:rPr lang="en-US"/>
+              <a:t>How to estimate number of executions of instructions</a:t>
+            </a:r>
+          </a:p>
+          <a:p>
+            <a:r>
+              <a:rPr lang="en-US"/>
+              <a:t>Parametrised by input data and other factors</a:t>
             </a:r>
           </a:p>
         </p:txBody>
@@ -9894,7 +9901,7 @@
     </p:spTree>
     <p:extLst>
       <p:ext uri="{BB962C8B-B14F-4D97-AF65-F5344CB8AC3E}">
-        <p14:creationId xmlns:p14="http://schemas.microsoft.com/office/powerpoint/2010/main" val="1727039141"/>
+        <p14:creationId xmlns:p14="http://schemas.microsoft.com/office/powerpoint/2010/main" val="2264836136"/>
       </p:ext>
     </p:extLst>
   </p:cSld>

--- a/summerschool-aalborg-jpg.pptx
+++ b/summerschool-aalborg-jpg.pptx
@@ -5,10 +5,10 @@
     <p:sldMasterId id="2147483696" r:id="rId1"/>
   </p:sldMasterIdLst>
   <p:notesMasterIdLst>
-    <p:notesMasterId r:id="rId109"/>
+    <p:notesMasterId r:id="rId111"/>
   </p:notesMasterIdLst>
   <p:handoutMasterIdLst>
-    <p:handoutMasterId r:id="rId110"/>
+    <p:handoutMasterId r:id="rId112"/>
   </p:handoutMasterIdLst>
   <p:sldIdLst>
     <p:sldId id="258" r:id="rId2"/>
@@ -110,14 +110,16 @@
     <p:sldId id="375" r:id="rId98"/>
     <p:sldId id="376" r:id="rId99"/>
     <p:sldId id="379" r:id="rId100"/>
-    <p:sldId id="389" r:id="rId101"/>
-    <p:sldId id="380" r:id="rId102"/>
-    <p:sldId id="381" r:id="rId103"/>
-    <p:sldId id="382" r:id="rId104"/>
-    <p:sldId id="383" r:id="rId105"/>
-    <p:sldId id="384" r:id="rId106"/>
-    <p:sldId id="385" r:id="rId107"/>
-    <p:sldId id="335" r:id="rId108"/>
+    <p:sldId id="384" r:id="rId101"/>
+    <p:sldId id="389" r:id="rId102"/>
+    <p:sldId id="390" r:id="rId103"/>
+    <p:sldId id="391" r:id="rId104"/>
+    <p:sldId id="385" r:id="rId105"/>
+    <p:sldId id="380" r:id="rId106"/>
+    <p:sldId id="381" r:id="rId107"/>
+    <p:sldId id="382" r:id="rId108"/>
+    <p:sldId id="383" r:id="rId109"/>
+    <p:sldId id="335" r:id="rId110"/>
   </p:sldIdLst>
   <p:sldSz cx="9144000" cy="6858000" type="screen4x3"/>
   <p:notesSz cx="6858000" cy="9144000"/>
@@ -2008,7 +2010,7 @@
           <a:p>
             <a:r>
               <a:rPr lang="is-IS" dirty="0"/>
-              <a:t>/106</a:t>
+              <a:t>/109</a:t>
             </a:r>
             <a:endParaRPr lang="da-DK" dirty="0"/>
           </a:p>
@@ -2923,7 +2925,7 @@
           <a:p>
             <a:r>
               <a:rPr kumimoji="0" lang="is-IS" dirty="0"/>
-              <a:t>/106</a:t>
+              <a:t>/109</a:t>
             </a:r>
             <a:endParaRPr kumimoji="0" lang="en-US" dirty="0"/>
           </a:p>
@@ -3120,7 +3122,7 @@
           <a:p>
             <a:r>
               <a:rPr lang="is-IS"/>
-              <a:t>/106</a:t>
+              <a:t>/109</a:t>
             </a:r>
             <a:endParaRPr lang="en-US"/>
           </a:p>
@@ -3276,7 +3278,7 @@
           <a:p>
             <a:r>
               <a:rPr lang="is-IS" dirty="0"/>
-              <a:t>/106</a:t>
+              <a:t>/109</a:t>
             </a:r>
             <a:endParaRPr lang="da-DK" dirty="0"/>
           </a:p>
@@ -4075,7 +4077,7 @@
           <a:p>
             <a:r>
               <a:rPr lang="is-IS" dirty="0"/>
-              <a:t>/106</a:t>
+              <a:t>/109</a:t>
             </a:r>
             <a:endParaRPr lang="da-DK" dirty="0"/>
           </a:p>
@@ -4386,7 +4388,7 @@
           <a:p>
             <a:r>
               <a:rPr lang="is-IS" dirty="0"/>
-              <a:t>/106</a:t>
+              <a:t>/109</a:t>
             </a:r>
             <a:endParaRPr lang="da-DK" dirty="0"/>
           </a:p>
@@ -4798,7 +4800,7 @@
           <a:p>
             <a:r>
               <a:rPr lang="is-IS" dirty="0"/>
-              <a:t>/106</a:t>
+              <a:t>/109</a:t>
             </a:r>
             <a:endParaRPr lang="da-DK" dirty="0"/>
           </a:p>
@@ -4904,7 +4906,7 @@
           <a:p>
             <a:r>
               <a:rPr lang="is-IS" dirty="0"/>
-              <a:t>/106</a:t>
+              <a:t>/109</a:t>
             </a:r>
             <a:endParaRPr lang="da-DK" dirty="0"/>
           </a:p>
@@ -5585,7 +5587,7 @@
           <a:p>
             <a:r>
               <a:rPr lang="is-IS" dirty="0"/>
-              <a:t>/106</a:t>
+              <a:t>/109</a:t>
             </a:r>
             <a:endParaRPr lang="da-DK" dirty="0"/>
           </a:p>
@@ -5999,7 +6001,7 @@
           <a:p>
             <a:r>
               <a:rPr lang="is-IS" dirty="0"/>
-              <a:t>/106</a:t>
+              <a:t>/109</a:t>
             </a:r>
             <a:endParaRPr lang="da-DK" dirty="0"/>
           </a:p>
@@ -6987,7 +6989,7 @@
           <a:p>
             <a:r>
               <a:rPr lang="is-IS" dirty="0"/>
-              <a:t>/106</a:t>
+              <a:t>/109</a:t>
             </a:r>
             <a:endParaRPr lang="da-DK" dirty="0"/>
           </a:p>
@@ -7903,7 +7905,7 @@
           <a:p>
             <a:r>
               <a:rPr lang="is-IS" dirty="0"/>
-              <a:t>/106</a:t>
+              <a:t>/109</a:t>
             </a:r>
             <a:endParaRPr lang="da-DK" dirty="0"/>
           </a:p>
@@ -8455,7 +8457,7 @@
           <a:p>
             <a:r>
               <a:rPr lang="is-IS" dirty="0"/>
-              <a:t>/106</a:t>
+              <a:t>/109</a:t>
             </a:r>
             <a:endParaRPr lang="da-DK" dirty="0"/>
           </a:p>
@@ -8701,7 +8703,12 @@
             <p:ph type="title"/>
           </p:nvPr>
         </p:nvSpPr>
-        <p:spPr/>
+        <p:spPr>
+          <a:xfrm>
+            <a:off x="467544" y="188640"/>
+            <a:ext cx="8229600" cy="864096"/>
+          </a:xfrm>
+        </p:spPr>
         <p:txBody>
           <a:bodyPr>
             <a:normAutofit fontScale="90000"/>
@@ -8710,7 +8717,7 @@
           <a:p>
             <a:r>
               <a:rPr lang="en-US"/>
-              <a:t>Energy model and optimisation for Android</a:t>
+              <a:t>Energy optimisation for Android game code case study</a:t>
             </a:r>
           </a:p>
         </p:txBody>
@@ -8727,19 +8734,55 @@
         </p:nvSpPr>
         <p:spPr/>
         <p:txBody>
-          <a:bodyPr/>
-          <a:lstStyle/>
-          <a:p>
-            <a:r>
-              <a:rPr lang="en-US"/>
-              <a:t>Android code is Java</a:t>
-            </a:r>
-          </a:p>
-          <a:p>
-            <a:r>
-              <a:rPr lang="en-US"/>
-              <a:t>What is the code’s energy cost</a:t>
-            </a:r>
+          <a:bodyPr>
+            <a:normAutofit fontScale="92500" lnSpcReduction="20000"/>
+          </a:bodyPr>
+          <a:lstStyle/>
+          <a:p>
+            <a:r>
+              <a:rPr lang="en-US"/>
+              <a:t>Work by Xueliang Li, Roskilde University (to appear in SCAM 2016)</a:t>
+            </a:r>
+          </a:p>
+          <a:p>
+            <a:r>
+              <a:rPr lang="en-US"/>
+              <a:t>Energy of game code is highly dependent on user interaction</a:t>
+            </a:r>
+          </a:p>
+          <a:p>
+            <a:r>
+              <a:rPr lang="en-US"/>
+              <a:t>We modelled the energy consumption the </a:t>
+            </a:r>
+            <a:r>
+              <a:rPr lang="en-US">
+                <a:solidFill>
+                  <a:srgbClr val="FF0000"/>
+                </a:solidFill>
+              </a:rPr>
+              <a:t>Cocos2d-Android game engine</a:t>
+            </a:r>
+          </a:p>
+          <a:p>
+            <a:r>
+              <a:rPr lang="en-US"/>
+              <a:t>Energy consumption of operations in the source code was estimated using </a:t>
+            </a:r>
+            <a:r>
+              <a:rPr lang="en-US" u="sng"/>
+              <a:t>machine learning techniques </a:t>
+            </a:r>
+          </a:p>
+          <a:p>
+            <a:pPr lvl="1"/>
+            <a:r>
+              <a:rPr lang="en-US"/>
+              <a:t>based on a large number of test cases for different interaction scenarios. </a:t>
+            </a:r>
+          </a:p>
+          <a:p>
+            <a:endParaRPr lang="en-US"/>
           </a:p>
         </p:txBody>
       </p:sp>
@@ -8760,7 +8803,7 @@
           <a:p>
             <a:r>
               <a:rPr lang="is-IS" dirty="0"/>
-              <a:t>/106</a:t>
+              <a:t>/109</a:t>
             </a:r>
             <a:endParaRPr lang="da-DK" dirty="0"/>
           </a:p>
@@ -8793,7 +8836,7 @@
     </p:spTree>
     <p:extLst>
       <p:ext uri="{BB962C8B-B14F-4D97-AF65-F5344CB8AC3E}">
-        <p14:creationId xmlns:p14="http://schemas.microsoft.com/office/powerpoint/2010/main" val="3466910345"/>
+        <p14:creationId xmlns:p14="http://schemas.microsoft.com/office/powerpoint/2010/main" val="3004029903"/>
       </p:ext>
     </p:extLst>
   </p:cSld>
@@ -8830,21 +8873,57 @@
             <p:ph type="title"/>
           </p:nvPr>
         </p:nvSpPr>
-        <p:spPr>
-          <a:xfrm>
-            <a:off x="457200" y="404664"/>
-            <a:ext cx="8435280" cy="864096"/>
-          </a:xfrm>
-        </p:spPr>
+        <p:spPr/>
         <p:txBody>
           <a:bodyPr>
-            <a:normAutofit fontScale="90000"/>
+            <a:normAutofit/>
           </a:bodyPr>
           <a:lstStyle/>
           <a:p>
             <a:r>
               <a:rPr lang="en-US"/>
-              <a:t>Which code blocks use most energy?</a:t>
+              <a:t>A Source Code energy model</a:t>
+            </a:r>
+            <a:endParaRPr lang="en-US"/>
+          </a:p>
+        </p:txBody>
+      </p:sp>
+      <p:sp>
+        <p:nvSpPr>
+          <p:cNvPr id="3" name="Content Placeholder 2"/>
+          <p:cNvSpPr>
+            <a:spLocks noGrp="1"/>
+          </p:cNvSpPr>
+          <p:nvPr>
+            <p:ph idx="1"/>
+          </p:nvPr>
+        </p:nvSpPr>
+        <p:spPr/>
+        <p:txBody>
+          <a:bodyPr/>
+          <a:lstStyle/>
+          <a:p>
+            <a:r>
+              <a:rPr lang="en-US"/>
+              <a:t>Android code is Java</a:t>
+            </a:r>
+          </a:p>
+          <a:p>
+            <a:r>
+              <a:rPr lang="en-US"/>
+              <a:t>What is the code’s energy cost?  How can we measure it?</a:t>
+            </a:r>
+          </a:p>
+          <a:p>
+            <a:r>
+              <a:rPr lang="en-US"/>
+              <a:t>The compiler produces Dalvik bytecode, which itself is interpreted by the Java virtual machine</a:t>
+            </a:r>
+          </a:p>
+          <a:p>
+            <a:r>
+              <a:rPr lang="en-US"/>
+              <a:t>Is it realistic to attribute energy costs to source code?</a:t>
             </a:r>
           </a:p>
         </p:txBody>
@@ -8866,7 +8945,7 @@
           <a:p>
             <a:r>
               <a:rPr lang="is-IS" dirty="0"/>
-              <a:t>/106</a:t>
+              <a:t>/109</a:t>
             </a:r>
             <a:endParaRPr lang="da-DK" dirty="0"/>
           </a:p>
@@ -8891,6 +8970,562 @@
               <a:rPr lang="da-DK" smtClean="0"/>
               <a:pPr/>
               <a:t>101</a:t>
+            </a:fld>
+            <a:endParaRPr lang="da-DK" dirty="0"/>
+          </a:p>
+        </p:txBody>
+      </p:sp>
+    </p:spTree>
+    <p:extLst>
+      <p:ext uri="{BB962C8B-B14F-4D97-AF65-F5344CB8AC3E}">
+        <p14:creationId xmlns:p14="http://schemas.microsoft.com/office/powerpoint/2010/main" val="3466910345"/>
+      </p:ext>
+    </p:extLst>
+  </p:cSld>
+  <p:clrMapOvr>
+    <a:masterClrMapping/>
+  </p:clrMapOvr>
+</p:sld>
+</file>
+
+<file path=ppt/slides/slide102.xml><?xml version="1.0" encoding="utf-8"?>
+<p:sld xmlns:a="http://schemas.openxmlformats.org/drawingml/2006/main" xmlns:r="http://schemas.openxmlformats.org/officeDocument/2006/relationships" xmlns:p="http://schemas.openxmlformats.org/presentationml/2006/main">
+  <p:cSld>
+    <p:spTree>
+      <p:nvGrpSpPr>
+        <p:cNvPr id="1" name=""/>
+        <p:cNvGrpSpPr/>
+        <p:nvPr/>
+      </p:nvGrpSpPr>
+      <p:grpSpPr>
+        <a:xfrm>
+          <a:off x="0" y="0"/>
+          <a:ext cx="0" cy="0"/>
+          <a:chOff x="0" y="0"/>
+          <a:chExt cx="0" cy="0"/>
+        </a:xfrm>
+      </p:grpSpPr>
+      <p:sp>
+        <p:nvSpPr>
+          <p:cNvPr id="2" name="Title 1"/>
+          <p:cNvSpPr>
+            <a:spLocks noGrp="1"/>
+          </p:cNvSpPr>
+          <p:nvPr>
+            <p:ph type="title"/>
+          </p:nvPr>
+        </p:nvSpPr>
+        <p:spPr/>
+        <p:txBody>
+          <a:bodyPr>
+            <a:normAutofit fontScale="90000"/>
+          </a:bodyPr>
+          <a:lstStyle/>
+          <a:p>
+            <a:r>
+              <a:rPr lang="en-US"/>
+              <a:t>Energy measurement of test cases</a:t>
+            </a:r>
+          </a:p>
+        </p:txBody>
+      </p:sp>
+      <p:sp>
+        <p:nvSpPr>
+          <p:cNvPr id="4" name="Footer Placeholder 3"/>
+          <p:cNvSpPr>
+            <a:spLocks noGrp="1"/>
+          </p:cNvSpPr>
+          <p:nvPr>
+            <p:ph type="ftr" sz="quarter" idx="11"/>
+          </p:nvPr>
+        </p:nvSpPr>
+        <p:spPr/>
+        <p:txBody>
+          <a:bodyPr/>
+          <a:lstStyle/>
+          <a:p>
+            <a:r>
+              <a:rPr lang="is-IS" dirty="0"/>
+              <a:t>/109</a:t>
+            </a:r>
+            <a:endParaRPr lang="da-DK" dirty="0"/>
+          </a:p>
+        </p:txBody>
+      </p:sp>
+      <p:sp>
+        <p:nvSpPr>
+          <p:cNvPr id="5" name="Slide Number Placeholder 4"/>
+          <p:cNvSpPr>
+            <a:spLocks noGrp="1"/>
+          </p:cNvSpPr>
+          <p:nvPr>
+            <p:ph type="sldNum" sz="quarter" idx="12"/>
+          </p:nvPr>
+        </p:nvSpPr>
+        <p:spPr/>
+        <p:txBody>
+          <a:bodyPr/>
+          <a:lstStyle/>
+          <a:p>
+            <a:fld id="{D2666599-1343-46DA-9433-309CE074520D}" type="slidenum">
+              <a:rPr lang="da-DK" smtClean="0"/>
+              <a:pPr/>
+              <a:t>102</a:t>
+            </a:fld>
+            <a:endParaRPr lang="da-DK" dirty="0"/>
+          </a:p>
+        </p:txBody>
+      </p:sp>
+      <p:pic>
+        <p:nvPicPr>
+          <p:cNvPr id="6" name="Picture 5" descr="Screen Shot 2016-08-15 at 10.29.44.png"/>
+          <p:cNvPicPr>
+            <a:picLocks noChangeAspect="1"/>
+          </p:cNvPicPr>
+          <p:nvPr/>
+        </p:nvPicPr>
+        <p:blipFill>
+          <a:blip r:embed="rId2">
+            <a:extLst>
+              <a:ext uri="{28A0092B-C50C-407E-A947-70E740481C1C}">
+                <a14:useLocalDpi xmlns:a14="http://schemas.microsoft.com/office/drawing/2010/main" val="0"/>
+              </a:ext>
+            </a:extLst>
+          </a:blip>
+          <a:stretch>
+            <a:fillRect/>
+          </a:stretch>
+        </p:blipFill>
+        <p:spPr>
+          <a:xfrm>
+            <a:off x="323528" y="1556792"/>
+            <a:ext cx="8604448" cy="4472837"/>
+          </a:xfrm>
+          <a:prstGeom prst="rect">
+            <a:avLst/>
+          </a:prstGeom>
+        </p:spPr>
+      </p:pic>
+    </p:spTree>
+    <p:extLst>
+      <p:ext uri="{BB962C8B-B14F-4D97-AF65-F5344CB8AC3E}">
+        <p14:creationId xmlns:p14="http://schemas.microsoft.com/office/powerpoint/2010/main" val="2393916131"/>
+      </p:ext>
+    </p:extLst>
+  </p:cSld>
+  <p:clrMapOvr>
+    <a:masterClrMapping/>
+  </p:clrMapOvr>
+</p:sld>
+</file>
+
+<file path=ppt/slides/slide103.xml><?xml version="1.0" encoding="utf-8"?>
+<p:sld xmlns:a="http://schemas.openxmlformats.org/drawingml/2006/main" xmlns:r="http://schemas.openxmlformats.org/officeDocument/2006/relationships" xmlns:p="http://schemas.openxmlformats.org/presentationml/2006/main">
+  <p:cSld>
+    <p:spTree>
+      <p:nvGrpSpPr>
+        <p:cNvPr id="1" name=""/>
+        <p:cNvGrpSpPr/>
+        <p:nvPr/>
+      </p:nvGrpSpPr>
+      <p:grpSpPr>
+        <a:xfrm>
+          <a:off x="0" y="0"/>
+          <a:ext cx="0" cy="0"/>
+          <a:chOff x="0" y="0"/>
+          <a:chExt cx="0" cy="0"/>
+        </a:xfrm>
+      </p:grpSpPr>
+      <p:sp>
+        <p:nvSpPr>
+          <p:cNvPr id="2" name="Title 1"/>
+          <p:cNvSpPr>
+            <a:spLocks noGrp="1"/>
+          </p:cNvSpPr>
+          <p:nvPr>
+            <p:ph type="title"/>
+          </p:nvPr>
+        </p:nvSpPr>
+        <p:spPr/>
+        <p:txBody>
+          <a:bodyPr>
+            <a:normAutofit/>
+          </a:bodyPr>
+          <a:lstStyle/>
+          <a:p>
+            <a:r>
+              <a:rPr lang="en-US" sz="3600"/>
+              <a:t>Learning source-code operation costs </a:t>
+            </a:r>
+          </a:p>
+        </p:txBody>
+      </p:sp>
+      <p:sp>
+        <p:nvSpPr>
+          <p:cNvPr id="4" name="Footer Placeholder 3"/>
+          <p:cNvSpPr>
+            <a:spLocks noGrp="1"/>
+          </p:cNvSpPr>
+          <p:nvPr>
+            <p:ph type="ftr" sz="quarter" idx="11"/>
+          </p:nvPr>
+        </p:nvSpPr>
+        <p:spPr/>
+        <p:txBody>
+          <a:bodyPr/>
+          <a:lstStyle/>
+          <a:p>
+            <a:r>
+              <a:rPr lang="is-IS" dirty="0"/>
+              <a:t>/109</a:t>
+            </a:r>
+            <a:endParaRPr lang="da-DK" dirty="0"/>
+          </a:p>
+        </p:txBody>
+      </p:sp>
+      <p:sp>
+        <p:nvSpPr>
+          <p:cNvPr id="5" name="Slide Number Placeholder 4"/>
+          <p:cNvSpPr>
+            <a:spLocks noGrp="1"/>
+          </p:cNvSpPr>
+          <p:nvPr>
+            <p:ph type="sldNum" sz="quarter" idx="12"/>
+          </p:nvPr>
+        </p:nvSpPr>
+        <p:spPr/>
+        <p:txBody>
+          <a:bodyPr/>
+          <a:lstStyle/>
+          <a:p>
+            <a:fld id="{D2666599-1343-46DA-9433-309CE074520D}" type="slidenum">
+              <a:rPr lang="da-DK" smtClean="0"/>
+              <a:pPr/>
+              <a:t>103</a:t>
+            </a:fld>
+            <a:endParaRPr lang="da-DK" dirty="0"/>
+          </a:p>
+        </p:txBody>
+      </p:sp>
+      <p:pic>
+        <p:nvPicPr>
+          <p:cNvPr id="6" name="Picture 5" descr="Screen Shot 2016-08-15 at 10.30.04.png"/>
+          <p:cNvPicPr>
+            <a:picLocks noChangeAspect="1"/>
+          </p:cNvPicPr>
+          <p:nvPr/>
+        </p:nvPicPr>
+        <p:blipFill>
+          <a:blip r:embed="rId2">
+            <a:extLst>
+              <a:ext uri="{28A0092B-C50C-407E-A947-70E740481C1C}">
+                <a14:useLocalDpi xmlns:a14="http://schemas.microsoft.com/office/drawing/2010/main" val="0"/>
+              </a:ext>
+            </a:extLst>
+          </a:blip>
+          <a:stretch>
+            <a:fillRect/>
+          </a:stretch>
+        </p:blipFill>
+        <p:spPr>
+          <a:xfrm>
+            <a:off x="539552" y="1412776"/>
+            <a:ext cx="8154758" cy="4183894"/>
+          </a:xfrm>
+          <a:prstGeom prst="rect">
+            <a:avLst/>
+          </a:prstGeom>
+        </p:spPr>
+      </p:pic>
+    </p:spTree>
+    <p:extLst>
+      <p:ext uri="{BB962C8B-B14F-4D97-AF65-F5344CB8AC3E}">
+        <p14:creationId xmlns:p14="http://schemas.microsoft.com/office/powerpoint/2010/main" val="4191165473"/>
+      </p:ext>
+    </p:extLst>
+  </p:cSld>
+  <p:clrMapOvr>
+    <a:masterClrMapping/>
+  </p:clrMapOvr>
+</p:sld>
+</file>
+
+<file path=ppt/slides/slide104.xml><?xml version="1.0" encoding="utf-8"?>
+<p:sld xmlns:a="http://schemas.openxmlformats.org/drawingml/2006/main" xmlns:r="http://schemas.openxmlformats.org/officeDocument/2006/relationships" xmlns:p="http://schemas.openxmlformats.org/presentationml/2006/main">
+  <p:cSld>
+    <p:spTree>
+      <p:nvGrpSpPr>
+        <p:cNvPr id="1" name=""/>
+        <p:cNvGrpSpPr/>
+        <p:nvPr/>
+      </p:nvGrpSpPr>
+      <p:grpSpPr>
+        <a:xfrm>
+          <a:off x="0" y="0"/>
+          <a:ext cx="0" cy="0"/>
+          <a:chOff x="0" y="0"/>
+          <a:chExt cx="0" cy="0"/>
+        </a:xfrm>
+      </p:grpSpPr>
+      <p:sp>
+        <p:nvSpPr>
+          <p:cNvPr id="2" name="Title 1"/>
+          <p:cNvSpPr>
+            <a:spLocks noGrp="1"/>
+          </p:cNvSpPr>
+          <p:nvPr>
+            <p:ph type="title"/>
+          </p:nvPr>
+        </p:nvSpPr>
+        <p:spPr>
+          <a:xfrm>
+            <a:off x="143620" y="404664"/>
+            <a:ext cx="8964488" cy="864096"/>
+          </a:xfrm>
+        </p:spPr>
+        <p:txBody>
+          <a:bodyPr>
+            <a:normAutofit fontScale="90000"/>
+          </a:bodyPr>
+          <a:lstStyle/>
+          <a:p>
+            <a:r>
+              <a:rPr lang="en-US"/>
+              <a:t>Identifying which ops use most energy</a:t>
+            </a:r>
+          </a:p>
+        </p:txBody>
+      </p:sp>
+      <p:sp>
+        <p:nvSpPr>
+          <p:cNvPr id="4" name="Footer Placeholder 3"/>
+          <p:cNvSpPr>
+            <a:spLocks noGrp="1"/>
+          </p:cNvSpPr>
+          <p:nvPr>
+            <p:ph type="ftr" sz="quarter" idx="11"/>
+          </p:nvPr>
+        </p:nvSpPr>
+        <p:spPr/>
+        <p:txBody>
+          <a:bodyPr/>
+          <a:lstStyle/>
+          <a:p>
+            <a:r>
+              <a:rPr lang="is-IS" dirty="0"/>
+              <a:t>/109</a:t>
+            </a:r>
+            <a:endParaRPr lang="da-DK" dirty="0"/>
+          </a:p>
+        </p:txBody>
+      </p:sp>
+      <p:sp>
+        <p:nvSpPr>
+          <p:cNvPr id="5" name="Slide Number Placeholder 4"/>
+          <p:cNvSpPr>
+            <a:spLocks noGrp="1"/>
+          </p:cNvSpPr>
+          <p:nvPr>
+            <p:ph type="sldNum" sz="quarter" idx="12"/>
+          </p:nvPr>
+        </p:nvSpPr>
+        <p:spPr/>
+        <p:txBody>
+          <a:bodyPr/>
+          <a:lstStyle/>
+          <a:p>
+            <a:fld id="{D2666599-1343-46DA-9433-309CE074520D}" type="slidenum">
+              <a:rPr lang="da-DK" smtClean="0"/>
+              <a:pPr/>
+              <a:t>104</a:t>
+            </a:fld>
+            <a:endParaRPr lang="da-DK" dirty="0"/>
+          </a:p>
+        </p:txBody>
+      </p:sp>
+      <p:pic>
+        <p:nvPicPr>
+          <p:cNvPr id="7" name="Picture 6" descr="op_cost_rank.pdf"/>
+          <p:cNvPicPr>
+            <a:picLocks noChangeAspect="1"/>
+          </p:cNvPicPr>
+          <p:nvPr/>
+        </p:nvPicPr>
+        <p:blipFill>
+          <a:blip r:embed="rId2">
+            <a:extLst>
+              <a:ext uri="{28A0092B-C50C-407E-A947-70E740481C1C}">
+                <a14:useLocalDpi xmlns:a14="http://schemas.microsoft.com/office/drawing/2010/main" val="0"/>
+              </a:ext>
+            </a:extLst>
+          </a:blip>
+          <a:stretch>
+            <a:fillRect/>
+          </a:stretch>
+        </p:blipFill>
+        <p:spPr>
+          <a:xfrm>
+            <a:off x="1043608" y="1412776"/>
+            <a:ext cx="5606008" cy="4916745"/>
+          </a:xfrm>
+          <a:prstGeom prst="rect">
+            <a:avLst/>
+          </a:prstGeom>
+        </p:spPr>
+      </p:pic>
+      <p:sp>
+        <p:nvSpPr>
+          <p:cNvPr id="8" name="TextBox 7"/>
+          <p:cNvSpPr txBox="1"/>
+          <p:nvPr/>
+        </p:nvSpPr>
+        <p:spPr>
+          <a:xfrm>
+            <a:off x="7020272" y="1628800"/>
+            <a:ext cx="1731063" cy="1200329"/>
+          </a:xfrm>
+          <a:prstGeom prst="rect">
+            <a:avLst/>
+          </a:prstGeom>
+          <a:noFill/>
+          <a:ln>
+            <a:solidFill>
+              <a:srgbClr val="000000"/>
+            </a:solidFill>
+          </a:ln>
+        </p:spPr>
+        <p:txBody>
+          <a:bodyPr wrap="none" rtlCol="0">
+            <a:spAutoFit/>
+          </a:bodyPr>
+          <a:lstStyle/>
+          <a:p>
+            <a:r>
+              <a:rPr lang="en-US"/>
+              <a:t>Top 10 ops</a:t>
+            </a:r>
+          </a:p>
+          <a:p>
+            <a:r>
+              <a:rPr lang="en-US"/>
+              <a:t>account for</a:t>
+            </a:r>
+          </a:p>
+          <a:p>
+            <a:r>
+              <a:rPr lang="en-US"/>
+              <a:t>72.1% of</a:t>
+            </a:r>
+          </a:p>
+          <a:p>
+            <a:r>
+              <a:rPr lang="en-US"/>
+              <a:t>energy usage</a:t>
+            </a:r>
+          </a:p>
+        </p:txBody>
+      </p:sp>
+    </p:spTree>
+    <p:extLst>
+      <p:ext uri="{BB962C8B-B14F-4D97-AF65-F5344CB8AC3E}">
+        <p14:creationId xmlns:p14="http://schemas.microsoft.com/office/powerpoint/2010/main" val="2560859429"/>
+      </p:ext>
+    </p:extLst>
+  </p:cSld>
+  <p:clrMapOvr>
+    <a:masterClrMapping/>
+  </p:clrMapOvr>
+</p:sld>
+</file>
+
+<file path=ppt/slides/slide105.xml><?xml version="1.0" encoding="utf-8"?>
+<p:sld xmlns:a="http://schemas.openxmlformats.org/drawingml/2006/main" xmlns:r="http://schemas.openxmlformats.org/officeDocument/2006/relationships" xmlns:p="http://schemas.openxmlformats.org/presentationml/2006/main">
+  <p:cSld>
+    <p:spTree>
+      <p:nvGrpSpPr>
+        <p:cNvPr id="1" name=""/>
+        <p:cNvGrpSpPr/>
+        <p:nvPr/>
+      </p:nvGrpSpPr>
+      <p:grpSpPr>
+        <a:xfrm>
+          <a:off x="0" y="0"/>
+          <a:ext cx="0" cy="0"/>
+          <a:chOff x="0" y="0"/>
+          <a:chExt cx="0" cy="0"/>
+        </a:xfrm>
+      </p:grpSpPr>
+      <p:sp>
+        <p:nvSpPr>
+          <p:cNvPr id="2" name="Title 1"/>
+          <p:cNvSpPr>
+            <a:spLocks noGrp="1"/>
+          </p:cNvSpPr>
+          <p:nvPr>
+            <p:ph type="title"/>
+          </p:nvPr>
+        </p:nvSpPr>
+        <p:spPr>
+          <a:xfrm>
+            <a:off x="457200" y="404664"/>
+            <a:ext cx="8435280" cy="864096"/>
+          </a:xfrm>
+        </p:spPr>
+        <p:txBody>
+          <a:bodyPr>
+            <a:normAutofit fontScale="90000"/>
+          </a:bodyPr>
+          <a:lstStyle/>
+          <a:p>
+            <a:r>
+              <a:rPr lang="en-US"/>
+              <a:t>Which code blocks use most energy?</a:t>
+            </a:r>
+          </a:p>
+        </p:txBody>
+      </p:sp>
+      <p:sp>
+        <p:nvSpPr>
+          <p:cNvPr id="4" name="Footer Placeholder 3"/>
+          <p:cNvSpPr>
+            <a:spLocks noGrp="1"/>
+          </p:cNvSpPr>
+          <p:nvPr>
+            <p:ph type="ftr" sz="quarter" idx="11"/>
+          </p:nvPr>
+        </p:nvSpPr>
+        <p:spPr/>
+        <p:txBody>
+          <a:bodyPr/>
+          <a:lstStyle/>
+          <a:p>
+            <a:r>
+              <a:rPr lang="is-IS" dirty="0"/>
+              <a:t>/109</a:t>
+            </a:r>
+            <a:endParaRPr lang="da-DK" dirty="0"/>
+          </a:p>
+        </p:txBody>
+      </p:sp>
+      <p:sp>
+        <p:nvSpPr>
+          <p:cNvPr id="5" name="Slide Number Placeholder 4"/>
+          <p:cNvSpPr>
+            <a:spLocks noGrp="1"/>
+          </p:cNvSpPr>
+          <p:nvPr>
+            <p:ph type="sldNum" sz="quarter" idx="12"/>
+          </p:nvPr>
+        </p:nvSpPr>
+        <p:spPr/>
+        <p:txBody>
+          <a:bodyPr/>
+          <a:lstStyle/>
+          <a:p>
+            <a:fld id="{D2666599-1343-46DA-9433-309CE074520D}" type="slidenum">
+              <a:rPr lang="da-DK" smtClean="0"/>
+              <a:pPr/>
+              <a:t>105</a:t>
             </a:fld>
             <a:endParaRPr lang="da-DK" dirty="0"/>
           </a:p>
@@ -8973,7 +9608,7 @@
 </p:sld>
 </file>
 
-<file path=ppt/slides/slide102.xml><?xml version="1.0" encoding="utf-8"?>
+<file path=ppt/slides/slide106.xml><?xml version="1.0" encoding="utf-8"?>
 <p:sld xmlns:a="http://schemas.openxmlformats.org/drawingml/2006/main" xmlns:r="http://schemas.openxmlformats.org/officeDocument/2006/relationships" xmlns:p="http://schemas.openxmlformats.org/presentationml/2006/main">
   <p:cSld>
     <p:spTree>
@@ -9029,7 +9664,7 @@
           <a:p>
             <a:r>
               <a:rPr lang="is-IS" dirty="0"/>
-              <a:t>/106</a:t>
+              <a:t>/109</a:t>
             </a:r>
             <a:endParaRPr lang="da-DK" dirty="0"/>
           </a:p>
@@ -9053,7 +9688,7 @@
             <a:fld id="{D2666599-1343-46DA-9433-309CE074520D}" type="slidenum">
               <a:rPr lang="da-DK" smtClean="0"/>
               <a:pPr/>
-              <a:t>102</a:t>
+              <a:t>106</a:t>
             </a:fld>
             <a:endParaRPr lang="da-DK" dirty="0"/>
           </a:p>
@@ -9157,7 +9792,7 @@
 </p:sld>
 </file>
 
-<file path=ppt/slides/slide103.xml><?xml version="1.0" encoding="utf-8"?>
+<file path=ppt/slides/slide107.xml><?xml version="1.0" encoding="utf-8"?>
 <p:sld xmlns:a="http://schemas.openxmlformats.org/drawingml/2006/main" xmlns:r="http://schemas.openxmlformats.org/officeDocument/2006/relationships" xmlns:p="http://schemas.openxmlformats.org/presentationml/2006/main">
   <p:cSld>
     <p:spTree>
@@ -9213,7 +9848,7 @@
           <a:p>
             <a:r>
               <a:rPr lang="is-IS" dirty="0"/>
-              <a:t>/106</a:t>
+              <a:t>/109</a:t>
             </a:r>
             <a:endParaRPr lang="da-DK" dirty="0"/>
           </a:p>
@@ -9237,7 +9872,7 @@
             <a:fld id="{D2666599-1343-46DA-9433-309CE074520D}" type="slidenum">
               <a:rPr lang="da-DK" smtClean="0"/>
               <a:pPr/>
-              <a:t>103</a:t>
+              <a:t>107</a:t>
             </a:fld>
             <a:endParaRPr lang="da-DK" dirty="0"/>
           </a:p>
@@ -9341,7 +9976,7 @@
 </p:sld>
 </file>
 
-<file path=ppt/slides/slide104.xml><?xml version="1.0" encoding="utf-8"?>
+<file path=ppt/slides/slide108.xml><?xml version="1.0" encoding="utf-8"?>
 <p:sld xmlns:a="http://schemas.openxmlformats.org/drawingml/2006/main" xmlns:r="http://schemas.openxmlformats.org/officeDocument/2006/relationships" xmlns:p="http://schemas.openxmlformats.org/presentationml/2006/main">
   <p:cSld>
     <p:spTree>
@@ -9432,7 +10067,7 @@
           <a:p>
             <a:r>
               <a:rPr lang="is-IS" dirty="0"/>
-              <a:t>/106</a:t>
+              <a:t>/109</a:t>
             </a:r>
             <a:endParaRPr lang="da-DK" dirty="0"/>
           </a:p>
@@ -9456,7 +10091,7 @@
             <a:fld id="{D2666599-1343-46DA-9433-309CE074520D}" type="slidenum">
               <a:rPr lang="da-DK" smtClean="0"/>
               <a:pPr/>
-              <a:t>104</a:t>
+              <a:t>108</a:t>
             </a:fld>
             <a:endParaRPr lang="da-DK" dirty="0"/>
           </a:p>
@@ -9475,7 +10110,7 @@
 </p:sld>
 </file>
 
-<file path=ppt/slides/slide105.xml><?xml version="1.0" encoding="utf-8"?>
+<file path=ppt/slides/slide109.xml><?xml version="1.0" encoding="utf-8"?>
 <p:sld xmlns:a="http://schemas.openxmlformats.org/drawingml/2006/main" xmlns:r="http://schemas.openxmlformats.org/officeDocument/2006/relationships" xmlns:p="http://schemas.openxmlformats.org/presentationml/2006/main">
   <p:cSld>
     <p:spTree>
@@ -9494,99 +10129,6 @@
       </p:grpSpPr>
       <p:sp>
         <p:nvSpPr>
-          <p:cNvPr id="2" name="Title 1"/>
-          <p:cNvSpPr>
-            <a:spLocks noGrp="1"/>
-          </p:cNvSpPr>
-          <p:nvPr>
-            <p:ph type="title"/>
-          </p:nvPr>
-        </p:nvSpPr>
-        <p:spPr>
-          <a:xfrm>
-            <a:off x="467544" y="188640"/>
-            <a:ext cx="8229600" cy="864096"/>
-          </a:xfrm>
-        </p:spPr>
-        <p:txBody>
-          <a:bodyPr>
-            <a:normAutofit fontScale="90000"/>
-          </a:bodyPr>
-          <a:lstStyle/>
-          <a:p>
-            <a:r>
-              <a:rPr lang="en-US"/>
-              <a:t>Energy optimisation for Android game code case study</a:t>
-            </a:r>
-          </a:p>
-        </p:txBody>
-      </p:sp>
-      <p:sp>
-        <p:nvSpPr>
-          <p:cNvPr id="3" name="Content Placeholder 2"/>
-          <p:cNvSpPr>
-            <a:spLocks noGrp="1"/>
-          </p:cNvSpPr>
-          <p:nvPr>
-            <p:ph idx="1"/>
-          </p:nvPr>
-        </p:nvSpPr>
-        <p:spPr/>
-        <p:txBody>
-          <a:bodyPr>
-            <a:normAutofit fontScale="92500" lnSpcReduction="20000"/>
-          </a:bodyPr>
-          <a:lstStyle/>
-          <a:p>
-            <a:r>
-              <a:rPr lang="en-US"/>
-              <a:t>Work by Xueliang Li, Roskilde University (to appear in SCAM 2016)</a:t>
-            </a:r>
-          </a:p>
-          <a:p>
-            <a:r>
-              <a:rPr lang="en-US"/>
-              <a:t>Energy of game code is highly dependent on user interaction</a:t>
-            </a:r>
-          </a:p>
-          <a:p>
-            <a:r>
-              <a:rPr lang="en-US"/>
-              <a:t>We modelled the energy consumption the </a:t>
-            </a:r>
-            <a:r>
-              <a:rPr lang="en-US">
-                <a:solidFill>
-                  <a:srgbClr val="FF0000"/>
-                </a:solidFill>
-              </a:rPr>
-              <a:t>Cocos2d-Android game engine</a:t>
-            </a:r>
-          </a:p>
-          <a:p>
-            <a:r>
-              <a:rPr lang="en-US"/>
-              <a:t>Energy consumption of operations in the source code was estimated using </a:t>
-            </a:r>
-            <a:r>
-              <a:rPr lang="en-US" u="sng"/>
-              <a:t>machine learning techniques </a:t>
-            </a:r>
-          </a:p>
-          <a:p>
-            <a:pPr lvl="1"/>
-            <a:r>
-              <a:rPr lang="en-US"/>
-              <a:t>based on a large number of test cases for different interaction scenarios. </a:t>
-            </a:r>
-          </a:p>
-          <a:p>
-            <a:endParaRPr lang="en-US"/>
-          </a:p>
-        </p:txBody>
-      </p:sp>
-      <p:sp>
-        <p:nvSpPr>
           <p:cNvPr id="4" name="Footer Placeholder 3"/>
           <p:cNvSpPr>
             <a:spLocks noGrp="1"/>
@@ -9602,7 +10144,7 @@
           <a:p>
             <a:r>
               <a:rPr lang="is-IS" dirty="0"/>
-              <a:t>/106</a:t>
+              <a:t>/109</a:t>
             </a:r>
             <a:endParaRPr lang="da-DK" dirty="0"/>
           </a:p>
@@ -9626,272 +10168,7 @@
             <a:fld id="{D2666599-1343-46DA-9433-309CE074520D}" type="slidenum">
               <a:rPr lang="da-DK" smtClean="0"/>
               <a:pPr/>
-              <a:t>105</a:t>
-            </a:fld>
-            <a:endParaRPr lang="da-DK" dirty="0"/>
-          </a:p>
-        </p:txBody>
-      </p:sp>
-    </p:spTree>
-    <p:extLst>
-      <p:ext uri="{BB962C8B-B14F-4D97-AF65-F5344CB8AC3E}">
-        <p14:creationId xmlns:p14="http://schemas.microsoft.com/office/powerpoint/2010/main" val="3004029903"/>
-      </p:ext>
-    </p:extLst>
-  </p:cSld>
-  <p:clrMapOvr>
-    <a:masterClrMapping/>
-  </p:clrMapOvr>
-</p:sld>
-</file>
-
-<file path=ppt/slides/slide106.xml><?xml version="1.0" encoding="utf-8"?>
-<p:sld xmlns:a="http://schemas.openxmlformats.org/drawingml/2006/main" xmlns:r="http://schemas.openxmlformats.org/officeDocument/2006/relationships" xmlns:p="http://schemas.openxmlformats.org/presentationml/2006/main">
-  <p:cSld>
-    <p:spTree>
-      <p:nvGrpSpPr>
-        <p:cNvPr id="1" name=""/>
-        <p:cNvGrpSpPr/>
-        <p:nvPr/>
-      </p:nvGrpSpPr>
-      <p:grpSpPr>
-        <a:xfrm>
-          <a:off x="0" y="0"/>
-          <a:ext cx="0" cy="0"/>
-          <a:chOff x="0" y="0"/>
-          <a:chExt cx="0" cy="0"/>
-        </a:xfrm>
-      </p:grpSpPr>
-      <p:sp>
-        <p:nvSpPr>
-          <p:cNvPr id="2" name="Title 1"/>
-          <p:cNvSpPr>
-            <a:spLocks noGrp="1"/>
-          </p:cNvSpPr>
-          <p:nvPr>
-            <p:ph type="title"/>
-          </p:nvPr>
-        </p:nvSpPr>
-        <p:spPr>
-          <a:xfrm>
-            <a:off x="143620" y="404664"/>
-            <a:ext cx="8964488" cy="864096"/>
-          </a:xfrm>
-        </p:spPr>
-        <p:txBody>
-          <a:bodyPr>
-            <a:normAutofit fontScale="90000"/>
-          </a:bodyPr>
-          <a:lstStyle/>
-          <a:p>
-            <a:r>
-              <a:rPr lang="en-US"/>
-              <a:t>Identifying which ops use most energy</a:t>
-            </a:r>
-          </a:p>
-        </p:txBody>
-      </p:sp>
-      <p:sp>
-        <p:nvSpPr>
-          <p:cNvPr id="4" name="Footer Placeholder 3"/>
-          <p:cNvSpPr>
-            <a:spLocks noGrp="1"/>
-          </p:cNvSpPr>
-          <p:nvPr>
-            <p:ph type="ftr" sz="quarter" idx="11"/>
-          </p:nvPr>
-        </p:nvSpPr>
-        <p:spPr/>
-        <p:txBody>
-          <a:bodyPr/>
-          <a:lstStyle/>
-          <a:p>
-            <a:r>
-              <a:rPr lang="is-IS" dirty="0"/>
-              <a:t>/106</a:t>
-            </a:r>
-            <a:endParaRPr lang="da-DK" dirty="0"/>
-          </a:p>
-        </p:txBody>
-      </p:sp>
-      <p:sp>
-        <p:nvSpPr>
-          <p:cNvPr id="5" name="Slide Number Placeholder 4"/>
-          <p:cNvSpPr>
-            <a:spLocks noGrp="1"/>
-          </p:cNvSpPr>
-          <p:nvPr>
-            <p:ph type="sldNum" sz="quarter" idx="12"/>
-          </p:nvPr>
-        </p:nvSpPr>
-        <p:spPr/>
-        <p:txBody>
-          <a:bodyPr/>
-          <a:lstStyle/>
-          <a:p>
-            <a:fld id="{D2666599-1343-46DA-9433-309CE074520D}" type="slidenum">
-              <a:rPr lang="da-DK" smtClean="0"/>
-              <a:pPr/>
-              <a:t>106</a:t>
-            </a:fld>
-            <a:endParaRPr lang="da-DK" dirty="0"/>
-          </a:p>
-        </p:txBody>
-      </p:sp>
-      <p:pic>
-        <p:nvPicPr>
-          <p:cNvPr id="7" name="Picture 6" descr="op_cost_rank.pdf"/>
-          <p:cNvPicPr>
-            <a:picLocks noChangeAspect="1"/>
-          </p:cNvPicPr>
-          <p:nvPr/>
-        </p:nvPicPr>
-        <p:blipFill>
-          <a:blip r:embed="rId2">
-            <a:extLst>
-              <a:ext uri="{28A0092B-C50C-407E-A947-70E740481C1C}">
-                <a14:useLocalDpi xmlns:a14="http://schemas.microsoft.com/office/drawing/2010/main" val="0"/>
-              </a:ext>
-            </a:extLst>
-          </a:blip>
-          <a:stretch>
-            <a:fillRect/>
-          </a:stretch>
-        </p:blipFill>
-        <p:spPr>
-          <a:xfrm>
-            <a:off x="1043608" y="1412776"/>
-            <a:ext cx="5606008" cy="4916745"/>
-          </a:xfrm>
-          <a:prstGeom prst="rect">
-            <a:avLst/>
-          </a:prstGeom>
-        </p:spPr>
-      </p:pic>
-      <p:sp>
-        <p:nvSpPr>
-          <p:cNvPr id="8" name="TextBox 7"/>
-          <p:cNvSpPr txBox="1"/>
-          <p:nvPr/>
-        </p:nvSpPr>
-        <p:spPr>
-          <a:xfrm>
-            <a:off x="7020272" y="1628800"/>
-            <a:ext cx="1731063" cy="1200329"/>
-          </a:xfrm>
-          <a:prstGeom prst="rect">
-            <a:avLst/>
-          </a:prstGeom>
-          <a:noFill/>
-          <a:ln>
-            <a:solidFill>
-              <a:srgbClr val="000000"/>
-            </a:solidFill>
-          </a:ln>
-        </p:spPr>
-        <p:txBody>
-          <a:bodyPr wrap="none" rtlCol="0">
-            <a:spAutoFit/>
-          </a:bodyPr>
-          <a:lstStyle/>
-          <a:p>
-            <a:r>
-              <a:rPr lang="en-US"/>
-              <a:t>Top 10 ops</a:t>
-            </a:r>
-          </a:p>
-          <a:p>
-            <a:r>
-              <a:rPr lang="en-US"/>
-              <a:t>account for</a:t>
-            </a:r>
-          </a:p>
-          <a:p>
-            <a:r>
-              <a:rPr lang="en-US"/>
-              <a:t>72.1% of</a:t>
-            </a:r>
-          </a:p>
-          <a:p>
-            <a:r>
-              <a:rPr lang="en-US"/>
-              <a:t>energy usage</a:t>
-            </a:r>
-          </a:p>
-        </p:txBody>
-      </p:sp>
-    </p:spTree>
-    <p:extLst>
-      <p:ext uri="{BB962C8B-B14F-4D97-AF65-F5344CB8AC3E}">
-        <p14:creationId xmlns:p14="http://schemas.microsoft.com/office/powerpoint/2010/main" val="2560859429"/>
-      </p:ext>
-    </p:extLst>
-  </p:cSld>
-  <p:clrMapOvr>
-    <a:masterClrMapping/>
-  </p:clrMapOvr>
-</p:sld>
-</file>
-
-<file path=ppt/slides/slide107.xml><?xml version="1.0" encoding="utf-8"?>
-<p:sld xmlns:a="http://schemas.openxmlformats.org/drawingml/2006/main" xmlns:r="http://schemas.openxmlformats.org/officeDocument/2006/relationships" xmlns:p="http://schemas.openxmlformats.org/presentationml/2006/main">
-  <p:cSld>
-    <p:spTree>
-      <p:nvGrpSpPr>
-        <p:cNvPr id="1" name=""/>
-        <p:cNvGrpSpPr/>
-        <p:nvPr/>
-      </p:nvGrpSpPr>
-      <p:grpSpPr>
-        <a:xfrm>
-          <a:off x="0" y="0"/>
-          <a:ext cx="0" cy="0"/>
-          <a:chOff x="0" y="0"/>
-          <a:chExt cx="0" cy="0"/>
-        </a:xfrm>
-      </p:grpSpPr>
-      <p:sp>
-        <p:nvSpPr>
-          <p:cNvPr id="4" name="Footer Placeholder 3"/>
-          <p:cNvSpPr>
-            <a:spLocks noGrp="1"/>
-          </p:cNvSpPr>
-          <p:nvPr>
-            <p:ph type="ftr" sz="quarter" idx="11"/>
-          </p:nvPr>
-        </p:nvSpPr>
-        <p:spPr/>
-        <p:txBody>
-          <a:bodyPr/>
-          <a:lstStyle/>
-          <a:p>
-            <a:r>
-              <a:rPr lang="is-IS" dirty="0"/>
-              <a:t>/106</a:t>
-            </a:r>
-            <a:endParaRPr lang="da-DK" dirty="0"/>
-          </a:p>
-        </p:txBody>
-      </p:sp>
-      <p:sp>
-        <p:nvSpPr>
-          <p:cNvPr id="5" name="Slide Number Placeholder 4"/>
-          <p:cNvSpPr>
-            <a:spLocks noGrp="1"/>
-          </p:cNvSpPr>
-          <p:nvPr>
-            <p:ph type="sldNum" sz="quarter" idx="12"/>
-          </p:nvPr>
-        </p:nvSpPr>
-        <p:spPr/>
-        <p:txBody>
-          <a:bodyPr/>
-          <a:lstStyle/>
-          <a:p>
-            <a:fld id="{D2666599-1343-46DA-9433-309CE074520D}" type="slidenum">
-              <a:rPr lang="da-DK" smtClean="0"/>
-              <a:pPr/>
-              <a:t>107</a:t>
+              <a:t>109</a:t>
             </a:fld>
             <a:endParaRPr lang="da-DK" dirty="0"/>
           </a:p>
@@ -10002,7 +10279,7 @@
           <a:p>
             <a:r>
               <a:rPr lang="is-IS" dirty="0"/>
-              <a:t>/106</a:t>
+              <a:t>/109</a:t>
             </a:r>
             <a:endParaRPr lang="da-DK" dirty="0"/>
           </a:p>
@@ -10133,7 +10410,7 @@
           <a:p>
             <a:r>
               <a:rPr lang="is-IS" dirty="0"/>
-              <a:t>/106</a:t>
+              <a:t>/109</a:t>
             </a:r>
             <a:endParaRPr lang="da-DK" dirty="0"/>
           </a:p>
@@ -10705,7 +10982,7 @@
           <a:p>
             <a:r>
               <a:rPr lang="is-IS"/>
-              <a:t>/106</a:t>
+              <a:t>/109</a:t>
             </a:r>
             <a:endParaRPr lang="en-US"/>
           </a:p>
@@ -10994,7 +11271,7 @@
           <a:p>
             <a:r>
               <a:rPr lang="is-IS" dirty="0"/>
-              <a:t>/106</a:t>
+              <a:t>/109</a:t>
             </a:r>
             <a:endParaRPr lang="da-DK" dirty="0"/>
           </a:p>
@@ -11125,7 +11402,7 @@
           <a:p>
             <a:r>
               <a:rPr lang="is-IS" dirty="0"/>
-              <a:t>/106</a:t>
+              <a:t>/109</a:t>
             </a:r>
             <a:endParaRPr lang="da-DK" dirty="0"/>
           </a:p>
@@ -11299,7 +11576,7 @@
           <a:p>
             <a:r>
               <a:rPr lang="is-IS" dirty="0"/>
-              <a:t>/106</a:t>
+              <a:t>/109</a:t>
             </a:r>
             <a:endParaRPr lang="da-DK" dirty="0"/>
           </a:p>
@@ -11456,7 +11733,7 @@
           <a:p>
             <a:r>
               <a:rPr lang="is-IS" dirty="0"/>
-              <a:t>/106</a:t>
+              <a:t>/109</a:t>
             </a:r>
             <a:endParaRPr lang="da-DK" dirty="0"/>
           </a:p>
@@ -11557,7 +11834,7 @@
           <a:p>
             <a:r>
               <a:rPr lang="is-IS" dirty="0"/>
-              <a:t>/106</a:t>
+              <a:t>/109</a:t>
             </a:r>
             <a:endParaRPr lang="da-DK" dirty="0"/>
           </a:p>
@@ -11958,7 +12235,7 @@
           <a:p>
             <a:r>
               <a:rPr lang="is-IS" dirty="0"/>
-              <a:t>/106</a:t>
+              <a:t>/109</a:t>
             </a:r>
             <a:endParaRPr lang="da-DK" dirty="0"/>
           </a:p>
@@ -12084,7 +12361,7 @@
           <a:p>
             <a:r>
               <a:rPr lang="is-IS" dirty="0"/>
-              <a:t>/106</a:t>
+              <a:t>/109</a:t>
             </a:r>
             <a:endParaRPr lang="da-DK" dirty="0"/>
           </a:p>
@@ -12647,7 +12924,7 @@
           <a:p>
             <a:r>
               <a:rPr lang="is-IS" dirty="0"/>
-              <a:t>/106</a:t>
+              <a:t>/109</a:t>
             </a:r>
             <a:endParaRPr lang="da-DK" dirty="0"/>
           </a:p>
@@ -12777,7 +13054,7 @@
           <a:p>
             <a:r>
               <a:rPr lang="is-IS" dirty="0"/>
-              <a:t>/106</a:t>
+              <a:t>/109</a:t>
             </a:r>
             <a:endParaRPr lang="da-DK" dirty="0"/>
           </a:p>
@@ -12920,7 +13197,7 @@
           <a:p>
             <a:r>
               <a:rPr lang="is-IS" dirty="0"/>
-              <a:t>/106</a:t>
+              <a:t>/109</a:t>
             </a:r>
             <a:endParaRPr lang="da-DK" dirty="0"/>
           </a:p>
@@ -13146,7 +13423,7 @@
           <a:p>
             <a:r>
               <a:rPr lang="is-IS" dirty="0"/>
-              <a:t>/106</a:t>
+              <a:t>/109</a:t>
             </a:r>
             <a:endParaRPr lang="da-DK" dirty="0"/>
           </a:p>
@@ -14026,7 +14303,7 @@
           <a:p>
             <a:r>
               <a:rPr lang="is-IS" dirty="0"/>
-              <a:t>/106</a:t>
+              <a:t>/109</a:t>
             </a:r>
             <a:endParaRPr lang="da-DK" dirty="0"/>
           </a:p>
@@ -14168,7 +14445,7 @@
           <a:p>
             <a:r>
               <a:rPr lang="is-IS" dirty="0"/>
-              <a:t>/106</a:t>
+              <a:t>/109</a:t>
             </a:r>
             <a:endParaRPr lang="da-DK" dirty="0"/>
           </a:p>
@@ -14323,7 +14600,7 @@
           <a:p>
             <a:r>
               <a:rPr lang="is-IS" dirty="0"/>
-              <a:t>/106</a:t>
+              <a:t>/109</a:t>
             </a:r>
             <a:endParaRPr lang="da-DK" dirty="0"/>
           </a:p>
@@ -14513,7 +14790,7 @@
           <a:p>
             <a:r>
               <a:rPr lang="is-IS" dirty="0"/>
-              <a:t>/106</a:t>
+              <a:t>/109</a:t>
             </a:r>
             <a:endParaRPr lang="da-DK" dirty="0"/>
           </a:p>
@@ -14612,7 +14889,7 @@
           <a:p>
             <a:r>
               <a:rPr lang="is-IS" dirty="0"/>
-              <a:t>/106</a:t>
+              <a:t>/109</a:t>
             </a:r>
             <a:endParaRPr lang="da-DK" dirty="0"/>
           </a:p>
@@ -15022,7 +15299,7 @@
           <a:p>
             <a:r>
               <a:rPr lang="is-IS" dirty="0"/>
-              <a:t>/106</a:t>
+              <a:t>/109</a:t>
             </a:r>
             <a:endParaRPr lang="da-DK" dirty="0"/>
           </a:p>
@@ -15128,7 +15405,7 @@
           <a:p>
             <a:r>
               <a:rPr lang="is-IS" dirty="0"/>
-              <a:t>/106</a:t>
+              <a:t>/109</a:t>
             </a:r>
             <a:endParaRPr lang="da-DK" dirty="0"/>
           </a:p>
@@ -15759,7 +16036,7 @@
           <a:p>
             <a:r>
               <a:rPr lang="is-IS" dirty="0"/>
-              <a:t>/106</a:t>
+              <a:t>/109</a:t>
             </a:r>
             <a:endParaRPr lang="da-DK" dirty="0"/>
           </a:p>
@@ -15836,7 +16113,7 @@
           <a:p>
             <a:r>
               <a:rPr lang="is-IS"/>
-              <a:t>/106</a:t>
+              <a:t>/109</a:t>
             </a:r>
             <a:endParaRPr lang="en-US"/>
           </a:p>
@@ -16975,7 +17252,7 @@
           <a:p>
             <a:r>
               <a:rPr lang="is-IS"/>
-              <a:t>/106</a:t>
+              <a:t>/109</a:t>
             </a:r>
             <a:endParaRPr lang="en-US"/>
           </a:p>
@@ -18600,7 +18877,7 @@
           <a:p>
             <a:r>
               <a:rPr lang="is-IS"/>
-              <a:t>/106</a:t>
+              <a:t>/109</a:t>
             </a:r>
             <a:endParaRPr lang="en-US"/>
           </a:p>
@@ -19215,7 +19492,7 @@
           <a:p>
             <a:r>
               <a:rPr lang="is-IS"/>
-              <a:t>/106</a:t>
+              <a:t>/109</a:t>
             </a:r>
             <a:endParaRPr lang="en-US"/>
           </a:p>
@@ -19558,7 +19835,7 @@
           <a:p>
             <a:r>
               <a:rPr lang="is-IS" dirty="0"/>
-              <a:t>/106</a:t>
+              <a:t>/109</a:t>
             </a:r>
             <a:endParaRPr lang="da-DK" dirty="0"/>
           </a:p>
@@ -19659,7 +19936,7 @@
           <a:p>
             <a:r>
               <a:rPr lang="is-IS"/>
-              <a:t>/106</a:t>
+              <a:t>/109</a:t>
             </a:r>
             <a:endParaRPr lang="en-US"/>
           </a:p>
@@ -20044,7 +20321,7 @@
           <a:p>
             <a:r>
               <a:rPr lang="is-IS"/>
-              <a:t>/106</a:t>
+              <a:t>/109</a:t>
             </a:r>
             <a:endParaRPr lang="en-US"/>
           </a:p>
@@ -20740,7 +21017,7 @@
           <a:p>
             <a:r>
               <a:rPr lang="is-IS"/>
-              <a:t>/106</a:t>
+              <a:t>/109</a:t>
             </a:r>
             <a:endParaRPr lang="en-US"/>
           </a:p>
@@ -20905,7 +21182,7 @@
           <a:p>
             <a:r>
               <a:rPr lang="is-IS"/>
-              <a:t>/106</a:t>
+              <a:t>/109</a:t>
             </a:r>
             <a:endParaRPr lang="en-US"/>
           </a:p>
@@ -21120,7 +21397,7 @@
           <a:p>
             <a:r>
               <a:rPr lang="is-IS" dirty="0"/>
-              <a:t>/106</a:t>
+              <a:t>/109</a:t>
             </a:r>
             <a:endParaRPr lang="da-DK" dirty="0"/>
           </a:p>
@@ -21300,7 +21577,7 @@
           <a:p>
             <a:r>
               <a:rPr lang="is-IS"/>
-              <a:t>/106</a:t>
+              <a:t>/109</a:t>
             </a:r>
             <a:endParaRPr lang="en-US"/>
           </a:p>
@@ -21401,7 +21678,7 @@
           <a:p>
             <a:r>
               <a:rPr lang="is-IS"/>
-              <a:t>/106</a:t>
+              <a:t>/109</a:t>
             </a:r>
             <a:endParaRPr lang="en-US"/>
           </a:p>
@@ -21813,7 +22090,7 @@
           <a:p>
             <a:r>
               <a:rPr lang="is-IS" dirty="0"/>
-              <a:t>/106</a:t>
+              <a:t>/109</a:t>
             </a:r>
             <a:endParaRPr lang="da-DK" dirty="0"/>
           </a:p>
@@ -21969,7 +22246,7 @@
           <a:p>
             <a:r>
               <a:rPr lang="is-IS"/>
-              <a:t>/106</a:t>
+              <a:t>/109</a:t>
             </a:r>
             <a:endParaRPr lang="en-US"/>
           </a:p>
@@ -22115,7 +22392,7 @@
           <a:p>
             <a:r>
               <a:rPr lang="is-IS"/>
-              <a:t>/106</a:t>
+              <a:t>/109</a:t>
             </a:r>
             <a:endParaRPr lang="en-US"/>
           </a:p>
@@ -22214,7 +22491,7 @@
           <a:p>
             <a:r>
               <a:rPr lang="is-IS"/>
-              <a:t>/106</a:t>
+              <a:t>/109</a:t>
             </a:r>
             <a:endParaRPr lang="en-US"/>
           </a:p>
@@ -22687,7 +22964,7 @@
           <a:p>
             <a:r>
               <a:rPr lang="is-IS"/>
-              <a:t>/106</a:t>
+              <a:t>/109</a:t>
             </a:r>
             <a:endParaRPr lang="en-US"/>
           </a:p>
@@ -22832,7 +23109,7 @@
           <a:p>
             <a:r>
               <a:rPr lang="is-IS"/>
-              <a:t>/106</a:t>
+              <a:t>/109</a:t>
             </a:r>
             <a:endParaRPr lang="en-US"/>
           </a:p>
@@ -23521,7 +23798,7 @@
           <a:p>
             <a:r>
               <a:rPr lang="is-IS"/>
-              <a:t>/106</a:t>
+              <a:t>/109</a:t>
             </a:r>
             <a:endParaRPr lang="en-US"/>
           </a:p>
@@ -23716,7 +23993,7 @@
           <a:p>
             <a:r>
               <a:rPr lang="is-IS"/>
-              <a:t>/106</a:t>
+              <a:t>/109</a:t>
             </a:r>
             <a:endParaRPr lang="en-US"/>
           </a:p>
@@ -23920,7 +24197,7 @@
           <a:p>
             <a:r>
               <a:rPr lang="is-IS" dirty="0"/>
-              <a:t>/106</a:t>
+              <a:t>/109</a:t>
             </a:r>
             <a:endParaRPr lang="da-DK" dirty="0"/>
           </a:p>
@@ -24074,7 +24351,7 @@
           <a:p>
             <a:r>
               <a:rPr lang="is-IS"/>
-              <a:t>/106</a:t>
+              <a:t>/109</a:t>
             </a:r>
             <a:endParaRPr lang="en-US"/>
           </a:p>
@@ -24202,7 +24479,7 @@
           <a:p>
             <a:r>
               <a:rPr lang="is-IS"/>
-              <a:t>/106</a:t>
+              <a:t>/109</a:t>
             </a:r>
             <a:endParaRPr lang="en-US"/>
           </a:p>
@@ -25239,7 +25516,7 @@
           <a:p>
             <a:r>
               <a:rPr lang="is-IS"/>
-              <a:t>/106</a:t>
+              <a:t>/109</a:t>
             </a:r>
             <a:endParaRPr lang="en-US"/>
           </a:p>
@@ -26326,7 +26603,7 @@
           <a:p>
             <a:r>
               <a:rPr lang="is-IS"/>
-              <a:t>/106</a:t>
+              <a:t>/109</a:t>
             </a:r>
             <a:endParaRPr lang="en-US"/>
           </a:p>
@@ -26454,7 +26731,7 @@
           <a:p>
             <a:r>
               <a:rPr lang="is-IS"/>
-              <a:t>/106</a:t>
+              <a:t>/109</a:t>
             </a:r>
             <a:endParaRPr lang="en-US"/>
           </a:p>
@@ -27568,7 +27845,7 @@
           <a:p>
             <a:r>
               <a:rPr lang="is-IS"/>
-              <a:t>/106</a:t>
+              <a:t>/109</a:t>
             </a:r>
             <a:endParaRPr lang="en-US"/>
           </a:p>
@@ -27697,7 +27974,7 @@
           <a:p>
             <a:r>
               <a:rPr lang="is-IS"/>
-              <a:t>/106</a:t>
+              <a:t>/109</a:t>
             </a:r>
             <a:endParaRPr lang="en-US"/>
           </a:p>
@@ -28314,7 +28591,7 @@
           <a:p>
             <a:r>
               <a:rPr lang="is-IS"/>
-              <a:t>/106</a:t>
+              <a:t>/109</a:t>
             </a:r>
             <a:endParaRPr lang="en-US"/>
           </a:p>
@@ -29185,7 +29462,7 @@
           <a:p>
             <a:r>
               <a:rPr lang="is-IS"/>
-              <a:t>/106</a:t>
+              <a:t>/109</a:t>
             </a:r>
             <a:endParaRPr lang="en-US"/>
           </a:p>
@@ -29342,7 +29619,7 @@
           <a:p>
             <a:r>
               <a:rPr lang="is-IS"/>
-              <a:t>/106</a:t>
+              <a:t>/109</a:t>
             </a:r>
             <a:endParaRPr lang="en-US"/>
           </a:p>
@@ -29555,7 +29832,7 @@
           <a:p>
             <a:r>
               <a:rPr lang="is-IS" dirty="0"/>
-              <a:t>/106</a:t>
+              <a:t>/109</a:t>
             </a:r>
             <a:endParaRPr lang="da-DK" dirty="0"/>
           </a:p>
@@ -29769,7 +30046,7 @@
           <a:p>
             <a:r>
               <a:rPr lang="is-IS"/>
-              <a:t>/106</a:t>
+              <a:t>/109</a:t>
             </a:r>
             <a:endParaRPr lang="en-US"/>
           </a:p>
@@ -29931,7 +30208,7 @@
           <a:p>
             <a:r>
               <a:rPr lang="is-IS"/>
-              <a:t>/106</a:t>
+              <a:t>/109</a:t>
             </a:r>
             <a:endParaRPr lang="en-US"/>
           </a:p>
@@ -30100,7 +30377,7 @@
           <a:p>
             <a:r>
               <a:rPr lang="is-IS"/>
-              <a:t>/106</a:t>
+              <a:t>/109</a:t>
             </a:r>
             <a:endParaRPr lang="en-US"/>
           </a:p>
@@ -30259,7 +30536,7 @@
           <a:p>
             <a:r>
               <a:rPr lang="is-IS"/>
-              <a:t>/106</a:t>
+              <a:t>/109</a:t>
             </a:r>
             <a:endParaRPr lang="en-US"/>
           </a:p>
@@ -30365,7 +30642,7 @@
           <a:p>
             <a:r>
               <a:rPr lang="is-IS"/>
-              <a:t>/106</a:t>
+              <a:t>/109</a:t>
             </a:r>
             <a:endParaRPr lang="en-US"/>
           </a:p>
@@ -30635,7 +30912,7 @@
           <a:p>
             <a:r>
               <a:rPr lang="is-IS"/>
-              <a:t>/106</a:t>
+              <a:t>/109</a:t>
             </a:r>
             <a:endParaRPr lang="en-US"/>
           </a:p>
@@ -30920,7 +31197,7 @@
           <a:p>
             <a:r>
               <a:rPr lang="is-IS"/>
-              <a:t>/106</a:t>
+              <a:t>/109</a:t>
             </a:r>
             <a:endParaRPr lang="en-US"/>
           </a:p>
@@ -31150,7 +31427,7 @@
           <a:p>
             <a:r>
               <a:rPr lang="is-IS"/>
-              <a:t>/106</a:t>
+              <a:t>/109</a:t>
             </a:r>
             <a:endParaRPr lang="en-US"/>
           </a:p>
@@ -32256,7 +32533,7 @@
           <a:p>
             <a:r>
               <a:rPr lang="is-IS"/>
-              <a:t>/106</a:t>
+              <a:t>/109</a:t>
             </a:r>
             <a:endParaRPr lang="en-US"/>
           </a:p>
@@ -33231,7 +33508,7 @@
           <a:p>
             <a:r>
               <a:rPr lang="is-IS" dirty="0"/>
-              <a:t>/106</a:t>
+              <a:t>/109</a:t>
             </a:r>
             <a:endParaRPr lang="da-DK" dirty="0"/>
           </a:p>
@@ -33552,7 +33829,7 @@
           <a:p>
             <a:r>
               <a:rPr lang="is-IS"/>
-              <a:t>/106</a:t>
+              <a:t>/109</a:t>
             </a:r>
             <a:endParaRPr lang="en-US"/>
           </a:p>
@@ -33709,7 +33986,7 @@
           <a:p>
             <a:r>
               <a:rPr lang="is-IS"/>
-              <a:t>/106</a:t>
+              <a:t>/109</a:t>
             </a:r>
             <a:endParaRPr lang="en-US"/>
           </a:p>
@@ -33808,7 +34085,7 @@
           <a:p>
             <a:r>
               <a:rPr lang="is-IS"/>
-              <a:t>/106</a:t>
+              <a:t>/109</a:t>
             </a:r>
             <a:endParaRPr lang="en-US"/>
           </a:p>
@@ -34871,7 +35148,7 @@
           <a:p>
             <a:r>
               <a:rPr lang="is-IS"/>
-              <a:t>/106</a:t>
+              <a:t>/109</a:t>
             </a:r>
             <a:endParaRPr lang="en-US"/>
           </a:p>
@@ -35121,7 +35398,7 @@
           <a:p>
             <a:r>
               <a:rPr lang="is-IS"/>
-              <a:t>/106</a:t>
+              <a:t>/109</a:t>
             </a:r>
             <a:endParaRPr lang="en-US"/>
           </a:p>
@@ -35286,7 +35563,7 @@
           <a:p>
             <a:r>
               <a:rPr lang="is-IS"/>
-              <a:t>/106</a:t>
+              <a:t>/109</a:t>
             </a:r>
             <a:endParaRPr lang="en-US"/>
           </a:p>
@@ -35426,7 +35703,7 @@
           <a:p>
             <a:r>
               <a:rPr lang="is-IS"/>
-              <a:t>/106</a:t>
+              <a:t>/109</a:t>
             </a:r>
             <a:endParaRPr lang="en-US"/>
           </a:p>
@@ -35663,7 +35940,7 @@
           <a:p>
             <a:r>
               <a:rPr lang="is-IS"/>
-              <a:t>/106</a:t>
+              <a:t>/109</a:t>
             </a:r>
             <a:endParaRPr lang="en-US"/>
           </a:p>
@@ -35813,7 +36090,7 @@
           <a:p>
             <a:r>
               <a:rPr lang="is-IS" dirty="0"/>
-              <a:t>/106</a:t>
+              <a:t>/109</a:t>
             </a:r>
             <a:endParaRPr lang="da-DK" dirty="0"/>
           </a:p>
@@ -35989,7 +36266,7 @@
                 </a:solidFill>
                 <a:latin typeface="Calibri"/>
               </a:rPr>
-              <a:t>/106</a:t>
+              <a:t>/109</a:t>
             </a:r>
             <a:endParaRPr lang="en-US">
               <a:solidFill>
@@ -36206,7 +36483,7 @@
           <a:p>
             <a:r>
               <a:rPr lang="is-IS" dirty="0"/>
-              <a:t>/106</a:t>
+              <a:t>/109</a:t>
             </a:r>
             <a:endParaRPr lang="da-DK" dirty="0"/>
           </a:p>
@@ -37155,7 +37432,7 @@
           <a:p>
             <a:r>
               <a:rPr lang="is-IS" dirty="0"/>
-              <a:t>/106</a:t>
+              <a:t>/109</a:t>
             </a:r>
             <a:endParaRPr lang="da-DK" dirty="0"/>
           </a:p>
@@ -38011,7 +38288,7 @@
           <a:p>
             <a:r>
               <a:rPr lang="is-IS" dirty="0"/>
-              <a:t>/106</a:t>
+              <a:t>/109</a:t>
             </a:r>
             <a:endParaRPr lang="da-DK" dirty="0"/>
           </a:p>
@@ -38156,7 +38433,7 @@
           <a:p>
             <a:r>
               <a:rPr lang="is-IS" dirty="0"/>
-              <a:t>/106</a:t>
+              <a:t>/109</a:t>
             </a:r>
             <a:endParaRPr lang="da-DK" dirty="0"/>
           </a:p>
@@ -39564,7 +39841,7 @@
           <a:p>
             <a:r>
               <a:rPr lang="is-IS" dirty="0"/>
-              <a:t>/106</a:t>
+              <a:t>/109</a:t>
             </a:r>
             <a:endParaRPr lang="da-DK" dirty="0"/>
           </a:p>
@@ -43457,7 +43734,7 @@
           <a:p>
             <a:r>
               <a:rPr lang="is-IS" dirty="0"/>
-              <a:t>/106</a:t>
+              <a:t>/109</a:t>
             </a:r>
             <a:endParaRPr lang="da-DK" dirty="0"/>
           </a:p>
@@ -43654,7 +43931,7 @@
           <a:p>
             <a:r>
               <a:rPr lang="is-IS" dirty="0"/>
-              <a:t>/106</a:t>
+              <a:t>/109</a:t>
             </a:r>
             <a:endParaRPr lang="da-DK" dirty="0"/>
           </a:p>
@@ -43862,7 +44139,7 @@
           <a:p>
             <a:r>
               <a:rPr lang="is-IS" dirty="0"/>
-              <a:t>/106</a:t>
+              <a:t>/109</a:t>
             </a:r>
             <a:endParaRPr lang="da-DK" dirty="0"/>
           </a:p>
@@ -43961,7 +44238,7 @@
           <a:p>
             <a:r>
               <a:rPr lang="is-IS" dirty="0"/>
-              <a:t>/106</a:t>
+              <a:t>/109</a:t>
             </a:r>
             <a:endParaRPr lang="da-DK" dirty="0"/>
           </a:p>
@@ -44542,7 +44819,7 @@
           <a:p>
             <a:r>
               <a:rPr lang="is-IS" dirty="0"/>
-              <a:t>/106</a:t>
+              <a:t>/109</a:t>
             </a:r>
             <a:endParaRPr lang="da-DK" dirty="0"/>
           </a:p>
@@ -45704,7 +45981,7 @@
           <a:p>
             <a:r>
               <a:rPr lang="is-IS" dirty="0"/>
-              <a:t>/106</a:t>
+              <a:t>/109</a:t>
             </a:r>
             <a:endParaRPr lang="da-DK" dirty="0"/>
           </a:p>
@@ -46862,7 +47139,7 @@
           <a:p>
             <a:r>
               <a:rPr lang="is-IS" dirty="0"/>
-              <a:t>/106</a:t>
+              <a:t>/109</a:t>
             </a:r>
             <a:endParaRPr lang="da-DK" dirty="0"/>
           </a:p>
@@ -46961,7 +47238,7 @@
           <a:p>
             <a:r>
               <a:rPr lang="is-IS" dirty="0"/>
-              <a:t>/106</a:t>
+              <a:t>/109</a:t>
             </a:r>
             <a:endParaRPr lang="da-DK" dirty="0"/>
           </a:p>
@@ -47916,7 +48193,7 @@
           <a:p>
             <a:r>
               <a:rPr lang="is-IS" dirty="0"/>
-              <a:t>/106</a:t>
+              <a:t>/109</a:t>
             </a:r>
             <a:endParaRPr lang="da-DK" dirty="0"/>
           </a:p>
@@ -49544,7 +49821,7 @@
           <a:p>
             <a:r>
               <a:rPr lang="is-IS" dirty="0"/>
-              <a:t>/106</a:t>
+              <a:t>/109</a:t>
             </a:r>
             <a:endParaRPr lang="da-DK" dirty="0"/>
           </a:p>
@@ -49674,7 +49951,7 @@
           <a:p>
             <a:r>
               <a:rPr lang="is-IS" dirty="0"/>
-              <a:t>/106</a:t>
+              <a:t>/109</a:t>
             </a:r>
             <a:endParaRPr lang="da-DK" dirty="0"/>
           </a:p>
@@ -50009,7 +50286,7 @@
           <a:p>
             <a:r>
               <a:rPr lang="is-IS" dirty="0"/>
-              <a:t>/106</a:t>
+              <a:t>/109</a:t>
             </a:r>
             <a:endParaRPr lang="da-DK" dirty="0"/>
           </a:p>
@@ -50493,7 +50770,7 @@
           <a:p>
             <a:r>
               <a:rPr lang="is-IS" dirty="0"/>
-              <a:t>/106</a:t>
+              <a:t>/109</a:t>
             </a:r>
             <a:endParaRPr lang="da-DK" dirty="0"/>
           </a:p>
@@ -50648,7 +50925,7 @@
           <a:p>
             <a:r>
               <a:rPr lang="is-IS" dirty="0"/>
-              <a:t>/106</a:t>
+              <a:t>/109</a:t>
             </a:r>
             <a:endParaRPr lang="da-DK" dirty="0"/>
           </a:p>
@@ -51914,7 +52191,7 @@
           <a:p>
             <a:r>
               <a:rPr lang="is-IS" dirty="0"/>
-              <a:t>/106</a:t>
+              <a:t>/109</a:t>
             </a:r>
             <a:endParaRPr lang="da-DK" dirty="0"/>
           </a:p>
@@ -52144,7 +52421,7 @@
           <a:p>
             <a:r>
               <a:rPr lang="is-IS" dirty="0"/>
-              <a:t>/106</a:t>
+              <a:t>/109</a:t>
             </a:r>
             <a:endParaRPr lang="da-DK" dirty="0"/>
           </a:p>
@@ -52243,7 +52520,7 @@
           <a:p>
             <a:r>
               <a:rPr lang="is-IS" dirty="0"/>
-              <a:t>/106</a:t>
+              <a:t>/109</a:t>
             </a:r>
             <a:endParaRPr lang="da-DK" dirty="0"/>
           </a:p>
